--- a/Documentation/MatheusSozza_SlidesDefesa_TCC_V02.pptx
+++ b/Documentation/MatheusSozza_SlidesDefesa_TCC_V02.pptx
@@ -215,7 +215,7 @@
           <a:p>
             <a:fld id="{93EC8EE8-4ED2-4344-A4B4-1350212664EC}" type="datetimeFigureOut">
               <a:rPr lang="en-US" smtClean="0"/>
-              <a:t>5/23/2023</a:t>
+              <a:t>7/22/2023</a:t>
             </a:fld>
             <a:endParaRPr lang="en-US"/>
           </a:p>
@@ -526,6 +526,2125 @@
           <a:bodyPr/>
           <a:lstStyle/>
           <a:p>
+            <a:r>
+              <a:rPr lang="pt-BR" dirty="0"/>
+              <a:t>Primeiramente meu nome é Matheus, sou engenheiro eletricista e de computação graduado e pós-graduado pela UNICAMP.</a:t>
+            </a:r>
+            <a:br>
+              <a:rPr lang="pt-BR" dirty="0"/>
+            </a:br>
+            <a:br>
+              <a:rPr lang="pt-BR" dirty="0"/>
+            </a:br>
+            <a:r>
+              <a:rPr lang="pt-BR" dirty="0"/>
+              <a:t>Atuo na indústria automotiva no desenvolvimento de software e sistemas para o controle e coleta de dados de veículos e participo ativamente dessa mudança de paradigma que a indústria da mobilidade atravessa rumo a diminuição de carbono.</a:t>
+            </a:r>
+            <a:br>
+              <a:rPr lang="pt-BR" dirty="0"/>
+            </a:br>
+            <a:endParaRPr lang="pt-BR" dirty="0"/>
+          </a:p>
+          <a:p>
+            <a:r>
+              <a:rPr lang="en-US" dirty="0" err="1"/>
+              <a:t>Minha</a:t>
+            </a:r>
+            <a:r>
+              <a:rPr lang="en-US" dirty="0"/>
+              <a:t> meta </a:t>
+            </a:r>
+            <a:r>
+              <a:rPr lang="en-US" dirty="0" err="1"/>
+              <a:t>pessoal</a:t>
+            </a:r>
+            <a:r>
+              <a:rPr lang="en-US" dirty="0"/>
+              <a:t> e </a:t>
+            </a:r>
+            <a:r>
+              <a:rPr lang="en-US" dirty="0" err="1"/>
+              <a:t>profissional</a:t>
+            </a:r>
+            <a:r>
+              <a:rPr lang="en-US" dirty="0"/>
+              <a:t> é </a:t>
+            </a:r>
+            <a:r>
+              <a:rPr lang="en-US" dirty="0" err="1"/>
+              <a:t>assumir</a:t>
+            </a:r>
+            <a:r>
+              <a:rPr lang="en-US" dirty="0"/>
+              <a:t> </a:t>
+            </a:r>
+            <a:r>
+              <a:rPr lang="en-US" dirty="0" err="1"/>
+              <a:t>posição</a:t>
+            </a:r>
+            <a:r>
+              <a:rPr lang="en-US" dirty="0"/>
+              <a:t> de </a:t>
+            </a:r>
+            <a:r>
+              <a:rPr lang="en-US" dirty="0" err="1"/>
+              <a:t>protagonismo</a:t>
+            </a:r>
+            <a:r>
+              <a:rPr lang="en-US" dirty="0"/>
+              <a:t> </a:t>
+            </a:r>
+            <a:r>
+              <a:rPr lang="en-US" dirty="0" err="1"/>
+              <a:t>nessa</a:t>
+            </a:r>
+            <a:r>
+              <a:rPr lang="en-US" dirty="0"/>
+              <a:t> </a:t>
+            </a:r>
+            <a:r>
+              <a:rPr lang="en-US" dirty="0" err="1"/>
+              <a:t>transformação</a:t>
+            </a:r>
+            <a:r>
+              <a:rPr lang="en-US" dirty="0"/>
+              <a:t>, </a:t>
+            </a:r>
+            <a:r>
+              <a:rPr lang="en-US" dirty="0" err="1"/>
+              <a:t>guiando</a:t>
+            </a:r>
+            <a:r>
+              <a:rPr lang="en-US" dirty="0"/>
+              <a:t> </a:t>
+            </a:r>
+            <a:r>
+              <a:rPr lang="en-US" dirty="0" err="1"/>
+              <a:t>iniciativas</a:t>
+            </a:r>
+            <a:r>
+              <a:rPr lang="en-US" dirty="0"/>
+              <a:t> que </a:t>
+            </a:r>
+            <a:r>
+              <a:rPr lang="en-US" dirty="0" err="1"/>
+              <a:t>englobam</a:t>
+            </a:r>
+            <a:r>
+              <a:rPr lang="en-US" dirty="0"/>
+              <a:t> </a:t>
+            </a:r>
+            <a:r>
+              <a:rPr lang="en-US" dirty="0" err="1"/>
+              <a:t>uma</a:t>
+            </a:r>
+            <a:r>
+              <a:rPr lang="en-US" dirty="0"/>
+              <a:t> </a:t>
+            </a:r>
+            <a:r>
+              <a:rPr lang="en-US" dirty="0" err="1"/>
+              <a:t>mobilidade</a:t>
+            </a:r>
+            <a:r>
+              <a:rPr lang="en-US" dirty="0"/>
+              <a:t> </a:t>
+            </a:r>
+            <a:r>
+              <a:rPr lang="en-US" dirty="0" err="1"/>
+              <a:t>mais</a:t>
+            </a:r>
+            <a:r>
+              <a:rPr lang="en-US" dirty="0"/>
+              <a:t> </a:t>
+            </a:r>
+            <a:r>
+              <a:rPr lang="en-US" dirty="0" err="1"/>
+              <a:t>conectada</a:t>
+            </a:r>
+            <a:r>
+              <a:rPr lang="en-US" dirty="0"/>
+              <a:t>, </a:t>
+            </a:r>
+            <a:r>
+              <a:rPr lang="en-US" dirty="0" err="1"/>
+              <a:t>inteligente</a:t>
+            </a:r>
+            <a:r>
+              <a:rPr lang="en-US" dirty="0"/>
+              <a:t>, </a:t>
+            </a:r>
+            <a:r>
+              <a:rPr lang="en-US" dirty="0" err="1"/>
+              <a:t>limpa</a:t>
+            </a:r>
+            <a:r>
+              <a:rPr lang="en-US" dirty="0"/>
+              <a:t> e livre de </a:t>
+            </a:r>
+            <a:r>
+              <a:rPr lang="en-US" dirty="0" err="1"/>
+              <a:t>carbono</a:t>
+            </a:r>
+            <a:r>
+              <a:rPr lang="en-US" dirty="0"/>
+              <a:t>, </a:t>
+            </a:r>
+            <a:r>
+              <a:rPr lang="en-US" dirty="0" err="1"/>
+              <a:t>aderente</a:t>
+            </a:r>
+            <a:r>
+              <a:rPr lang="en-US" dirty="0"/>
+              <a:t> à </a:t>
+            </a:r>
+            <a:r>
+              <a:rPr lang="en-US" dirty="0" err="1"/>
+              <a:t>todas</a:t>
+            </a:r>
+            <a:r>
+              <a:rPr lang="en-US" dirty="0"/>
+              <a:t> as </a:t>
+            </a:r>
+            <a:r>
+              <a:rPr lang="en-US" dirty="0" err="1"/>
+              <a:t>tendências</a:t>
+            </a:r>
+            <a:r>
+              <a:rPr lang="en-US" dirty="0"/>
+              <a:t> </a:t>
+            </a:r>
+            <a:r>
+              <a:rPr lang="en-US" dirty="0" err="1"/>
+              <a:t>futuras</a:t>
+            </a:r>
+            <a:r>
+              <a:rPr lang="en-US" dirty="0"/>
+              <a:t>.</a:t>
+            </a:r>
+            <a:br>
+              <a:rPr lang="en-US" dirty="0"/>
+            </a:br>
+            <a:endParaRPr lang="en-US" dirty="0"/>
+          </a:p>
+          <a:p>
+            <a:r>
+              <a:rPr lang="en-US" dirty="0"/>
+              <a:t>Para </a:t>
+            </a:r>
+            <a:r>
+              <a:rPr lang="en-US" dirty="0" err="1"/>
+              <a:t>isso</a:t>
+            </a:r>
+            <a:r>
+              <a:rPr lang="en-US" dirty="0"/>
+              <a:t>, </a:t>
+            </a:r>
+            <a:r>
+              <a:rPr lang="en-US" dirty="0" err="1"/>
+              <a:t>busco</a:t>
+            </a:r>
+            <a:r>
+              <a:rPr lang="en-US" dirty="0"/>
+              <a:t> </a:t>
+            </a:r>
+            <a:r>
+              <a:rPr lang="en-US" dirty="0" err="1"/>
+              <a:t>agregar</a:t>
+            </a:r>
+            <a:r>
+              <a:rPr lang="en-US" dirty="0"/>
+              <a:t> as </a:t>
+            </a:r>
+            <a:r>
+              <a:rPr lang="en-US" dirty="0" err="1"/>
+              <a:t>mais</a:t>
+            </a:r>
+            <a:r>
+              <a:rPr lang="en-US" dirty="0"/>
+              <a:t> </a:t>
+            </a:r>
+            <a:r>
+              <a:rPr lang="en-US" dirty="0" err="1"/>
+              <a:t>modernas</a:t>
+            </a:r>
+            <a:r>
+              <a:rPr lang="en-US" dirty="0"/>
+              <a:t> e </a:t>
+            </a:r>
+            <a:r>
+              <a:rPr lang="en-US" dirty="0" err="1"/>
+              <a:t>eficientes</a:t>
+            </a:r>
+            <a:r>
+              <a:rPr lang="en-US" dirty="0"/>
+              <a:t> </a:t>
+            </a:r>
+            <a:r>
+              <a:rPr lang="en-US" dirty="0" err="1"/>
+              <a:t>técnicas</a:t>
+            </a:r>
+            <a:r>
+              <a:rPr lang="en-US" dirty="0"/>
+              <a:t> </a:t>
+            </a:r>
+            <a:r>
+              <a:rPr lang="en-US" dirty="0" err="1"/>
+              <a:t>em</a:t>
+            </a:r>
+            <a:r>
+              <a:rPr lang="en-US" dirty="0"/>
+              <a:t> </a:t>
+            </a:r>
+            <a:r>
+              <a:rPr lang="en-US" dirty="0" err="1"/>
+              <a:t>engenharia</a:t>
+            </a:r>
+            <a:r>
+              <a:rPr lang="en-US" dirty="0"/>
+              <a:t> de software, </a:t>
+            </a:r>
+            <a:r>
+              <a:rPr lang="en-US" dirty="0" err="1"/>
+              <a:t>sistemas</a:t>
+            </a:r>
+            <a:r>
+              <a:rPr lang="en-US" dirty="0"/>
+              <a:t> e dados, </a:t>
+            </a:r>
+            <a:r>
+              <a:rPr lang="en-US" dirty="0" err="1"/>
+              <a:t>dando</a:t>
+            </a:r>
+            <a:r>
+              <a:rPr lang="en-US" dirty="0"/>
+              <a:t> o </a:t>
+            </a:r>
+            <a:r>
+              <a:rPr lang="en-US" dirty="0" err="1"/>
+              <a:t>melhor</a:t>
+            </a:r>
+            <a:r>
+              <a:rPr lang="en-US" dirty="0"/>
+              <a:t> </a:t>
+            </a:r>
+            <a:r>
+              <a:rPr lang="en-US" dirty="0" err="1"/>
+              <a:t>aproveitamento</a:t>
+            </a:r>
+            <a:r>
+              <a:rPr lang="en-US" dirty="0"/>
+              <a:t> </a:t>
+            </a:r>
+            <a:r>
+              <a:rPr lang="en-US" dirty="0" err="1"/>
+              <a:t>possível</a:t>
+            </a:r>
+            <a:r>
+              <a:rPr lang="en-US" dirty="0"/>
+              <a:t> </a:t>
+            </a:r>
+            <a:r>
+              <a:rPr lang="en-US" dirty="0" err="1"/>
+              <a:t>aos</a:t>
+            </a:r>
+            <a:r>
+              <a:rPr lang="en-US" dirty="0"/>
+              <a:t> dados que </a:t>
+            </a:r>
+            <a:r>
+              <a:rPr lang="en-US" dirty="0" err="1"/>
+              <a:t>coletamos</a:t>
+            </a:r>
+            <a:r>
+              <a:rPr lang="en-US" dirty="0"/>
+              <a:t> e </a:t>
+            </a:r>
+            <a:r>
+              <a:rPr lang="en-US" dirty="0" err="1"/>
+              <a:t>informações</a:t>
+            </a:r>
+            <a:r>
+              <a:rPr lang="en-US" dirty="0"/>
+              <a:t> que </a:t>
+            </a:r>
+            <a:r>
+              <a:rPr lang="en-US" dirty="0" err="1"/>
+              <a:t>possuímos</a:t>
+            </a:r>
+            <a:r>
+              <a:rPr lang="en-US" dirty="0"/>
+              <a:t>. </a:t>
+            </a:r>
+            <a:r>
+              <a:rPr lang="en-US" dirty="0" err="1"/>
+              <a:t>Seja</a:t>
+            </a:r>
+            <a:r>
+              <a:rPr lang="en-US" dirty="0"/>
+              <a:t> no software, no hardware, </a:t>
+            </a:r>
+            <a:r>
+              <a:rPr lang="en-US" dirty="0" err="1"/>
+              <a:t>ou</a:t>
+            </a:r>
+            <a:r>
+              <a:rPr lang="en-US" dirty="0"/>
+              <a:t> </a:t>
+            </a:r>
+            <a:r>
+              <a:rPr lang="en-US" dirty="0" err="1"/>
+              <a:t>nos</a:t>
+            </a:r>
+            <a:r>
+              <a:rPr lang="en-US" dirty="0"/>
+              <a:t> dados, </a:t>
+            </a:r>
+            <a:r>
+              <a:rPr lang="en-US" dirty="0" err="1"/>
+              <a:t>não</a:t>
+            </a:r>
+            <a:r>
+              <a:rPr lang="en-US" dirty="0"/>
+              <a:t> </a:t>
+            </a:r>
+            <a:r>
+              <a:rPr lang="en-US" dirty="0" err="1"/>
+              <a:t>há</a:t>
+            </a:r>
+            <a:r>
+              <a:rPr lang="en-US" dirty="0"/>
+              <a:t> </a:t>
+            </a:r>
+            <a:r>
+              <a:rPr lang="en-US" dirty="0" err="1"/>
+              <a:t>margem</a:t>
+            </a:r>
+            <a:r>
+              <a:rPr lang="en-US" dirty="0"/>
+              <a:t> para </a:t>
+            </a:r>
+            <a:r>
+              <a:rPr lang="en-US" dirty="0" err="1"/>
+              <a:t>desperdício</a:t>
+            </a:r>
+            <a:r>
+              <a:rPr lang="en-US" dirty="0"/>
+              <a:t>.</a:t>
+            </a:r>
+          </a:p>
+          <a:p>
+            <a:endParaRPr lang="en-US" dirty="0"/>
+          </a:p>
+          <a:p>
+            <a:r>
+              <a:rPr lang="en-US" dirty="0"/>
+              <a:t>O </a:t>
+            </a:r>
+            <a:r>
+              <a:rPr lang="en-US" dirty="0" err="1"/>
+              <a:t>nome</a:t>
+            </a:r>
+            <a:r>
+              <a:rPr lang="en-US" dirty="0"/>
+              <a:t> do </a:t>
+            </a:r>
+            <a:r>
+              <a:rPr lang="en-US" dirty="0" err="1"/>
+              <a:t>trabalho</a:t>
+            </a:r>
+            <a:r>
+              <a:rPr lang="en-US" dirty="0"/>
+              <a:t> que </a:t>
+            </a:r>
+            <a:r>
+              <a:rPr lang="en-US" dirty="0" err="1"/>
+              <a:t>vou</a:t>
+            </a:r>
+            <a:r>
+              <a:rPr lang="en-US" dirty="0"/>
+              <a:t> </a:t>
+            </a:r>
+            <a:r>
+              <a:rPr lang="en-US" dirty="0" err="1"/>
+              <a:t>apresentar</a:t>
+            </a:r>
+            <a:r>
+              <a:rPr lang="en-US" dirty="0"/>
+              <a:t> </a:t>
+            </a:r>
+            <a:r>
+              <a:rPr lang="en-US" dirty="0" err="1"/>
+              <a:t>hoje</a:t>
+            </a:r>
+            <a:r>
+              <a:rPr lang="en-US" dirty="0"/>
+              <a:t> é “</a:t>
+            </a:r>
+            <a:r>
+              <a:rPr lang="en-US" dirty="0" err="1"/>
+              <a:t>Detecção</a:t>
+            </a:r>
+            <a:r>
+              <a:rPr lang="en-US" dirty="0"/>
+              <a:t> de </a:t>
+            </a:r>
+            <a:r>
+              <a:rPr lang="en-US" dirty="0" err="1"/>
+              <a:t>Motores</a:t>
+            </a:r>
+            <a:r>
+              <a:rPr lang="en-US" dirty="0"/>
+              <a:t> a </a:t>
+            </a:r>
+            <a:r>
+              <a:rPr lang="en-US" dirty="0" err="1"/>
+              <a:t>Combustão</a:t>
+            </a:r>
+            <a:r>
+              <a:rPr lang="en-US" dirty="0"/>
+              <a:t> </a:t>
+            </a:r>
+            <a:r>
+              <a:rPr lang="en-US" dirty="0" err="1"/>
+              <a:t>por</a:t>
+            </a:r>
+            <a:r>
+              <a:rPr lang="en-US" dirty="0"/>
+              <a:t> </a:t>
+            </a:r>
+            <a:r>
+              <a:rPr lang="en-US" dirty="0" err="1"/>
+              <a:t>meio</a:t>
+            </a:r>
+            <a:r>
+              <a:rPr lang="en-US" dirty="0"/>
+              <a:t> de </a:t>
+            </a:r>
+            <a:r>
+              <a:rPr lang="en-US" dirty="0" err="1"/>
+              <a:t>análise</a:t>
+            </a:r>
+            <a:r>
+              <a:rPr lang="en-US" dirty="0"/>
+              <a:t> </a:t>
+            </a:r>
+            <a:r>
+              <a:rPr lang="en-US" dirty="0" err="1"/>
+              <a:t>sonora</a:t>
+            </a:r>
+            <a:r>
+              <a:rPr lang="en-US" dirty="0"/>
+              <a:t> </a:t>
+            </a:r>
+            <a:r>
+              <a:rPr lang="en-US" dirty="0" err="1"/>
+              <a:t>através</a:t>
+            </a:r>
+            <a:r>
+              <a:rPr lang="en-US" dirty="0"/>
+              <a:t> de </a:t>
+            </a:r>
+            <a:r>
+              <a:rPr lang="en-US" dirty="0" err="1"/>
+              <a:t>uma</a:t>
+            </a:r>
+            <a:r>
+              <a:rPr lang="en-US" dirty="0"/>
+              <a:t> rede neural”.</a:t>
+            </a:r>
+          </a:p>
+        </p:txBody>
+      </p:sp>
+      <p:sp>
+        <p:nvSpPr>
+          <p:cNvPr id="4" name="Slide Number Placeholder 3"/>
+          <p:cNvSpPr>
+            <a:spLocks noGrp="1"/>
+          </p:cNvSpPr>
+          <p:nvPr>
+            <p:ph type="sldNum" sz="quarter" idx="5"/>
+          </p:nvPr>
+        </p:nvSpPr>
+        <p:spPr/>
+        <p:txBody>
+          <a:bodyPr/>
+          <a:lstStyle/>
+          <a:p>
+            <a:fld id="{1115A337-D327-4878-82F7-89D283F5F6B1}" type="slidenum">
+              <a:rPr lang="en-US" smtClean="0"/>
+              <a:t>1</a:t>
+            </a:fld>
+            <a:endParaRPr lang="en-US"/>
+          </a:p>
+        </p:txBody>
+      </p:sp>
+    </p:spTree>
+    <p:extLst>
+      <p:ext uri="{BB962C8B-B14F-4D97-AF65-F5344CB8AC3E}">
+        <p14:creationId xmlns:p14="http://schemas.microsoft.com/office/powerpoint/2010/main" val="4016523560"/>
+      </p:ext>
+    </p:extLst>
+  </p:cSld>
+  <p:clrMapOvr>
+    <a:masterClrMapping/>
+  </p:clrMapOvr>
+</p:notes>
+</file>
+
+<file path=ppt/notesSlides/notesSlide10.xml><?xml version="1.0" encoding="utf-8"?>
+<p:notes xmlns:a="http://schemas.openxmlformats.org/drawingml/2006/main" xmlns:r="http://schemas.openxmlformats.org/officeDocument/2006/relationships" xmlns:p="http://schemas.openxmlformats.org/presentationml/2006/main">
+  <p:cSld>
+    <p:spTree>
+      <p:nvGrpSpPr>
+        <p:cNvPr id="1" name=""/>
+        <p:cNvGrpSpPr/>
+        <p:nvPr/>
+      </p:nvGrpSpPr>
+      <p:grpSpPr>
+        <a:xfrm>
+          <a:off x="0" y="0"/>
+          <a:ext cx="0" cy="0"/>
+          <a:chOff x="0" y="0"/>
+          <a:chExt cx="0" cy="0"/>
+        </a:xfrm>
+      </p:grpSpPr>
+      <p:sp>
+        <p:nvSpPr>
+          <p:cNvPr id="2" name="Slide Image Placeholder 1"/>
+          <p:cNvSpPr>
+            <a:spLocks noGrp="1" noRot="1" noChangeAspect="1"/>
+          </p:cNvSpPr>
+          <p:nvPr>
+            <p:ph type="sldImg"/>
+          </p:nvPr>
+        </p:nvSpPr>
+        <p:spPr/>
+      </p:sp>
+      <p:sp>
+        <p:nvSpPr>
+          <p:cNvPr id="3" name="Notes Placeholder 2"/>
+          <p:cNvSpPr>
+            <a:spLocks noGrp="1"/>
+          </p:cNvSpPr>
+          <p:nvPr>
+            <p:ph type="body" idx="1"/>
+          </p:nvPr>
+        </p:nvSpPr>
+        <p:spPr/>
+        <p:txBody>
+          <a:bodyPr/>
+          <a:lstStyle/>
+          <a:p>
+            <a:r>
+              <a:rPr lang="pt-BR" dirty="0"/>
+              <a:t>De maneira exploratória, realizamos quatro experimentos diferentes na topologia da rede em questão, buscando comparar os resultados estatisticamente entre si.</a:t>
+            </a:r>
+          </a:p>
+          <a:p>
+            <a:endParaRPr lang="pt-BR" dirty="0"/>
+          </a:p>
+          <a:p>
+            <a:r>
+              <a:rPr lang="pt-BR" dirty="0"/>
+              <a:t>Os experimentos consistiram em variar o tamanho dos recortes de áudio fornecidos como entrada à rede neural, e também explorar o efeito de utilização das funções de ativação </a:t>
+            </a:r>
+            <a:r>
+              <a:rPr lang="pt-BR" dirty="0" err="1"/>
+              <a:t>ReLU</a:t>
+            </a:r>
+            <a:r>
+              <a:rPr lang="pt-BR" dirty="0"/>
+              <a:t> ou </a:t>
+            </a:r>
+            <a:r>
+              <a:rPr lang="pt-BR" dirty="0" err="1"/>
+              <a:t>Leaky</a:t>
+            </a:r>
+            <a:r>
+              <a:rPr lang="pt-BR" dirty="0"/>
+              <a:t> </a:t>
+            </a:r>
+            <a:r>
+              <a:rPr lang="pt-BR" dirty="0" err="1"/>
+              <a:t>ReLU</a:t>
+            </a:r>
+            <a:r>
+              <a:rPr lang="pt-BR" dirty="0"/>
+              <a:t>, verificando se alguma dessas variações nos proporcionam algum ganho real.</a:t>
+            </a:r>
+            <a:br>
+              <a:rPr lang="pt-BR" dirty="0"/>
+            </a:br>
+            <a:br>
+              <a:rPr lang="pt-BR" dirty="0"/>
+            </a:br>
+            <a:r>
+              <a:rPr lang="pt-BR" dirty="0"/>
+              <a:t>A inspiração para utilização da variação </a:t>
+            </a:r>
+            <a:r>
+              <a:rPr lang="pt-BR" dirty="0" err="1"/>
+              <a:t>ReLU</a:t>
+            </a:r>
+            <a:r>
+              <a:rPr lang="pt-BR" dirty="0"/>
+              <a:t> e </a:t>
+            </a:r>
+            <a:r>
+              <a:rPr lang="pt-BR" dirty="0" err="1"/>
+              <a:t>LeakyReLU</a:t>
+            </a:r>
+            <a:r>
+              <a:rPr lang="pt-BR" dirty="0"/>
+              <a:t> é proveniente de outros trabalhos, citados como referências no texto original, os quais afirmam ter obtido sensíveis ganhos na performance de classificação ao utilizar </a:t>
+            </a:r>
+            <a:r>
+              <a:rPr lang="pt-BR" dirty="0" err="1"/>
+              <a:t>LeakyReLU</a:t>
+            </a:r>
+            <a:r>
+              <a:rPr lang="pt-BR" dirty="0"/>
+              <a:t>.</a:t>
+            </a:r>
+            <a:br>
+              <a:rPr lang="pt-BR" dirty="0"/>
+            </a:br>
+            <a:br>
+              <a:rPr lang="pt-BR" dirty="0"/>
+            </a:br>
+            <a:r>
+              <a:rPr lang="pt-BR" dirty="0"/>
+              <a:t>A forma como a função </a:t>
+            </a:r>
+            <a:r>
+              <a:rPr lang="pt-BR" dirty="0" err="1"/>
+              <a:t>LeakyReLU</a:t>
+            </a:r>
+            <a:r>
+              <a:rPr lang="pt-BR" dirty="0"/>
+              <a:t> funciona é ilustrada na figura do slide, tendo como característica principal uma leve ativação de saída para valores de entrada negativos, diferentemente da </a:t>
+            </a:r>
+            <a:r>
+              <a:rPr lang="pt-BR" dirty="0" err="1"/>
+              <a:t>ReLU</a:t>
+            </a:r>
+            <a:r>
+              <a:rPr lang="pt-BR" dirty="0"/>
+              <a:t> original que possui ativação nula para valores de entrada negativos.</a:t>
+            </a:r>
+          </a:p>
+        </p:txBody>
+      </p:sp>
+      <p:sp>
+        <p:nvSpPr>
+          <p:cNvPr id="4" name="Slide Number Placeholder 3"/>
+          <p:cNvSpPr>
+            <a:spLocks noGrp="1"/>
+          </p:cNvSpPr>
+          <p:nvPr>
+            <p:ph type="sldNum" sz="quarter" idx="5"/>
+          </p:nvPr>
+        </p:nvSpPr>
+        <p:spPr/>
+        <p:txBody>
+          <a:bodyPr/>
+          <a:lstStyle/>
+          <a:p>
+            <a:fld id="{1115A337-D327-4878-82F7-89D283F5F6B1}" type="slidenum">
+              <a:rPr lang="en-US" smtClean="0"/>
+              <a:t>11</a:t>
+            </a:fld>
+            <a:endParaRPr lang="en-US"/>
+          </a:p>
+        </p:txBody>
+      </p:sp>
+    </p:spTree>
+    <p:extLst>
+      <p:ext uri="{BB962C8B-B14F-4D97-AF65-F5344CB8AC3E}">
+        <p14:creationId xmlns:p14="http://schemas.microsoft.com/office/powerpoint/2010/main" val="1721972214"/>
+      </p:ext>
+    </p:extLst>
+  </p:cSld>
+  <p:clrMapOvr>
+    <a:masterClrMapping/>
+  </p:clrMapOvr>
+</p:notes>
+</file>
+
+<file path=ppt/notesSlides/notesSlide11.xml><?xml version="1.0" encoding="utf-8"?>
+<p:notes xmlns:a="http://schemas.openxmlformats.org/drawingml/2006/main" xmlns:r="http://schemas.openxmlformats.org/officeDocument/2006/relationships" xmlns:p="http://schemas.openxmlformats.org/presentationml/2006/main">
+  <p:cSld>
+    <p:spTree>
+      <p:nvGrpSpPr>
+        <p:cNvPr id="1" name=""/>
+        <p:cNvGrpSpPr/>
+        <p:nvPr/>
+      </p:nvGrpSpPr>
+      <p:grpSpPr>
+        <a:xfrm>
+          <a:off x="0" y="0"/>
+          <a:ext cx="0" cy="0"/>
+          <a:chOff x="0" y="0"/>
+          <a:chExt cx="0" cy="0"/>
+        </a:xfrm>
+      </p:grpSpPr>
+      <p:sp>
+        <p:nvSpPr>
+          <p:cNvPr id="2" name="Slide Image Placeholder 1"/>
+          <p:cNvSpPr>
+            <a:spLocks noGrp="1" noRot="1" noChangeAspect="1"/>
+          </p:cNvSpPr>
+          <p:nvPr>
+            <p:ph type="sldImg"/>
+          </p:nvPr>
+        </p:nvSpPr>
+        <p:spPr/>
+      </p:sp>
+      <p:sp>
+        <p:nvSpPr>
+          <p:cNvPr id="3" name="Notes Placeholder 2"/>
+          <p:cNvSpPr>
+            <a:spLocks noGrp="1"/>
+          </p:cNvSpPr>
+          <p:nvPr>
+            <p:ph type="body" idx="1"/>
+          </p:nvPr>
+        </p:nvSpPr>
+        <p:spPr/>
+        <p:txBody>
+          <a:bodyPr/>
+          <a:lstStyle/>
+          <a:p>
+            <a:r>
+              <a:rPr lang="pt-BR" dirty="0"/>
+              <a:t>Como métrica de performance e comparação entre experimentos, os dados resultantes de cada rodada foram dispostos em matrizes de confusão, de onde extraímos métricas generalistas como o </a:t>
+            </a:r>
+            <a:r>
+              <a:rPr lang="pt-BR" b="1" dirty="0" err="1"/>
+              <a:t>F-One</a:t>
+            </a:r>
+            <a:r>
+              <a:rPr lang="pt-BR" b="1" dirty="0"/>
+              <a:t> Score</a:t>
+            </a:r>
+            <a:r>
+              <a:rPr lang="pt-BR" dirty="0"/>
+              <a:t> e </a:t>
+            </a:r>
+            <a:r>
+              <a:rPr lang="pt-BR" b="1" dirty="0"/>
+              <a:t>J de </a:t>
+            </a:r>
+            <a:r>
+              <a:rPr lang="pt-BR" b="1" dirty="0" err="1"/>
+              <a:t>Youden</a:t>
+            </a:r>
+            <a:r>
+              <a:rPr lang="pt-BR" b="1" dirty="0"/>
+              <a:t>, </a:t>
+            </a:r>
+            <a:r>
+              <a:rPr lang="pt-BR" b="0" dirty="0"/>
+              <a:t>de maneira avaliar quantitativamente e </a:t>
+            </a:r>
+            <a:r>
+              <a:rPr lang="pt-BR" b="0" dirty="0" err="1"/>
+              <a:t>padronizadamente</a:t>
+            </a:r>
+            <a:r>
+              <a:rPr lang="pt-BR" b="0" dirty="0"/>
+              <a:t> o quão performático é o classificador obtido em cada experimento.</a:t>
+            </a:r>
+          </a:p>
+          <a:p>
+            <a:endParaRPr lang="pt-BR" b="0" dirty="0"/>
+          </a:p>
+          <a:p>
+            <a:r>
+              <a:rPr lang="pt-BR" b="0" dirty="0"/>
+              <a:t>O resultado de cada experimento é, resumidamente, a média de cada uma das suas dez rodadas de validação cruzada treino-teste.</a:t>
+            </a:r>
+          </a:p>
+          <a:p>
+            <a:endParaRPr lang="pt-BR" b="0" dirty="0"/>
+          </a:p>
+          <a:p>
+            <a:endParaRPr lang="en-US" b="0" dirty="0"/>
+          </a:p>
+        </p:txBody>
+      </p:sp>
+      <p:sp>
+        <p:nvSpPr>
+          <p:cNvPr id="4" name="Slide Number Placeholder 3"/>
+          <p:cNvSpPr>
+            <a:spLocks noGrp="1"/>
+          </p:cNvSpPr>
+          <p:nvPr>
+            <p:ph type="sldNum" sz="quarter" idx="5"/>
+          </p:nvPr>
+        </p:nvSpPr>
+        <p:spPr/>
+        <p:txBody>
+          <a:bodyPr/>
+          <a:lstStyle/>
+          <a:p>
+            <a:fld id="{1115A337-D327-4878-82F7-89D283F5F6B1}" type="slidenum">
+              <a:rPr lang="en-US" smtClean="0"/>
+              <a:t>12</a:t>
+            </a:fld>
+            <a:endParaRPr lang="en-US"/>
+          </a:p>
+        </p:txBody>
+      </p:sp>
+    </p:spTree>
+    <p:extLst>
+      <p:ext uri="{BB962C8B-B14F-4D97-AF65-F5344CB8AC3E}">
+        <p14:creationId xmlns:p14="http://schemas.microsoft.com/office/powerpoint/2010/main" val="2410261590"/>
+      </p:ext>
+    </p:extLst>
+  </p:cSld>
+  <p:clrMapOvr>
+    <a:masterClrMapping/>
+  </p:clrMapOvr>
+</p:notes>
+</file>
+
+<file path=ppt/notesSlides/notesSlide12.xml><?xml version="1.0" encoding="utf-8"?>
+<p:notes xmlns:a="http://schemas.openxmlformats.org/drawingml/2006/main" xmlns:r="http://schemas.openxmlformats.org/officeDocument/2006/relationships" xmlns:p="http://schemas.openxmlformats.org/presentationml/2006/main">
+  <p:cSld>
+    <p:spTree>
+      <p:nvGrpSpPr>
+        <p:cNvPr id="1" name=""/>
+        <p:cNvGrpSpPr/>
+        <p:nvPr/>
+      </p:nvGrpSpPr>
+      <p:grpSpPr>
+        <a:xfrm>
+          <a:off x="0" y="0"/>
+          <a:ext cx="0" cy="0"/>
+          <a:chOff x="0" y="0"/>
+          <a:chExt cx="0" cy="0"/>
+        </a:xfrm>
+      </p:grpSpPr>
+      <p:sp>
+        <p:nvSpPr>
+          <p:cNvPr id="2" name="Slide Image Placeholder 1"/>
+          <p:cNvSpPr>
+            <a:spLocks noGrp="1" noRot="1" noChangeAspect="1"/>
+          </p:cNvSpPr>
+          <p:nvPr>
+            <p:ph type="sldImg"/>
+          </p:nvPr>
+        </p:nvSpPr>
+        <p:spPr/>
+      </p:sp>
+      <p:sp>
+        <p:nvSpPr>
+          <p:cNvPr id="3" name="Notes Placeholder 2"/>
+          <p:cNvSpPr>
+            <a:spLocks noGrp="1"/>
+          </p:cNvSpPr>
+          <p:nvPr>
+            <p:ph type="body" idx="1"/>
+          </p:nvPr>
+        </p:nvSpPr>
+        <p:spPr/>
+        <p:txBody>
+          <a:bodyPr/>
+          <a:lstStyle/>
+          <a:p>
+            <a:r>
+              <a:rPr lang="pt-BR" dirty="0"/>
+              <a:t>Para cada um dos quatro experimentos realizados, foi possível gerar uma série de gráficos mostrando a evolução da precisão da classificação nos dados de treino e teste para cada uma das dez validações cruzadas.</a:t>
+            </a:r>
+            <a:br>
+              <a:rPr lang="pt-BR" dirty="0"/>
+            </a:br>
+            <a:br>
+              <a:rPr lang="pt-BR" dirty="0"/>
+            </a:br>
+            <a:r>
+              <a:rPr lang="pt-BR" dirty="0"/>
+              <a:t>Em amarelo, temos a progressão da precisão nos dados de treino, enquanto em azul temos a progressão da precisão nos dados de teste. No título de cada mini gráfico, temos qual das pastas foi utilizada como dados de validação.</a:t>
+            </a:r>
+          </a:p>
+          <a:p>
+            <a:endParaRPr lang="pt-BR" dirty="0"/>
+          </a:p>
+          <a:p>
+            <a:r>
+              <a:rPr lang="pt-BR" dirty="0"/>
+              <a:t>O exemplo mostrado na figura deste slide se refere ao experimento onde a rede neural foi alimentada com recortes sonoros de 476ms e aplicou-se a função de ativação </a:t>
+            </a:r>
+            <a:r>
+              <a:rPr lang="pt-BR" dirty="0" err="1"/>
+              <a:t>ReLU</a:t>
+            </a:r>
+            <a:r>
+              <a:rPr lang="pt-BR" dirty="0"/>
+              <a:t>. A explicação do porque foi utilizado o valor especifico de 476ms tem a ver com a otimização do tempo de processamento, e é explicada em maiores detalhes no texto original.</a:t>
+            </a:r>
+          </a:p>
+          <a:p>
+            <a:endParaRPr lang="pt-BR" dirty="0"/>
+          </a:p>
+          <a:p>
+            <a:r>
+              <a:rPr lang="pt-BR" dirty="0"/>
+              <a:t>O interessante destes gráficos é verificar a progressão temporal da performance em função das épocas de treinamento, observando se há ou não ganho real à medida que o treinamento avança, e o início de um possível </a:t>
+            </a:r>
+            <a:r>
+              <a:rPr lang="pt-BR" dirty="0" err="1"/>
+              <a:t>sobreajuste</a:t>
+            </a:r>
+            <a:r>
+              <a:rPr lang="pt-BR" dirty="0"/>
+              <a:t> ou </a:t>
+            </a:r>
+            <a:r>
+              <a:rPr lang="pt-BR" dirty="0" err="1"/>
+              <a:t>overfitting</a:t>
+            </a:r>
+            <a:r>
+              <a:rPr lang="pt-BR" dirty="0"/>
+              <a:t> aos dados de treino, com consequente queda da precisão nos dados de teste e portanto perda de generalidade do classificador a partir de um certo ponto.</a:t>
+            </a:r>
+            <a:endParaRPr lang="en-US" dirty="0"/>
+          </a:p>
+        </p:txBody>
+      </p:sp>
+      <p:sp>
+        <p:nvSpPr>
+          <p:cNvPr id="4" name="Slide Number Placeholder 3"/>
+          <p:cNvSpPr>
+            <a:spLocks noGrp="1"/>
+          </p:cNvSpPr>
+          <p:nvPr>
+            <p:ph type="sldNum" sz="quarter" idx="5"/>
+          </p:nvPr>
+        </p:nvSpPr>
+        <p:spPr/>
+        <p:txBody>
+          <a:bodyPr/>
+          <a:lstStyle/>
+          <a:p>
+            <a:fld id="{1115A337-D327-4878-82F7-89D283F5F6B1}" type="slidenum">
+              <a:rPr lang="en-US" smtClean="0"/>
+              <a:t>14</a:t>
+            </a:fld>
+            <a:endParaRPr lang="en-US"/>
+          </a:p>
+        </p:txBody>
+      </p:sp>
+    </p:spTree>
+    <p:extLst>
+      <p:ext uri="{BB962C8B-B14F-4D97-AF65-F5344CB8AC3E}">
+        <p14:creationId xmlns:p14="http://schemas.microsoft.com/office/powerpoint/2010/main" val="2958230198"/>
+      </p:ext>
+    </p:extLst>
+  </p:cSld>
+  <p:clrMapOvr>
+    <a:masterClrMapping/>
+  </p:clrMapOvr>
+</p:notes>
+</file>
+
+<file path=ppt/notesSlides/notesSlide13.xml><?xml version="1.0" encoding="utf-8"?>
+<p:notes xmlns:a="http://schemas.openxmlformats.org/drawingml/2006/main" xmlns:r="http://schemas.openxmlformats.org/officeDocument/2006/relationships" xmlns:p="http://schemas.openxmlformats.org/presentationml/2006/main">
+  <p:cSld>
+    <p:spTree>
+      <p:nvGrpSpPr>
+        <p:cNvPr id="1" name=""/>
+        <p:cNvGrpSpPr/>
+        <p:nvPr/>
+      </p:nvGrpSpPr>
+      <p:grpSpPr>
+        <a:xfrm>
+          <a:off x="0" y="0"/>
+          <a:ext cx="0" cy="0"/>
+          <a:chOff x="0" y="0"/>
+          <a:chExt cx="0" cy="0"/>
+        </a:xfrm>
+      </p:grpSpPr>
+      <p:sp>
+        <p:nvSpPr>
+          <p:cNvPr id="2" name="Slide Image Placeholder 1"/>
+          <p:cNvSpPr>
+            <a:spLocks noGrp="1" noRot="1" noChangeAspect="1"/>
+          </p:cNvSpPr>
+          <p:nvPr>
+            <p:ph type="sldImg"/>
+          </p:nvPr>
+        </p:nvSpPr>
+        <p:spPr/>
+      </p:sp>
+      <p:sp>
+        <p:nvSpPr>
+          <p:cNvPr id="3" name="Notes Placeholder 2"/>
+          <p:cNvSpPr>
+            <a:spLocks noGrp="1"/>
+          </p:cNvSpPr>
+          <p:nvPr>
+            <p:ph type="body" idx="1"/>
+          </p:nvPr>
+        </p:nvSpPr>
+        <p:spPr/>
+        <p:txBody>
+          <a:bodyPr/>
+          <a:lstStyle/>
+          <a:p>
+            <a:r>
+              <a:rPr lang="pt-BR" dirty="0"/>
+              <a:t>Ao final das 20 épocas de treinamento, os dados foram regularizados para a melhor época em termos de precisão sobre os dados de testes, o que nos provê um compromisso ótimo entre o melhor aprendizado </a:t>
+            </a:r>
+            <a:r>
+              <a:rPr lang="pt-BR" b="1" dirty="0"/>
+              <a:t>generalista</a:t>
+            </a:r>
+            <a:r>
+              <a:rPr lang="pt-BR" dirty="0"/>
+              <a:t> e um mínimo </a:t>
+            </a:r>
+            <a:r>
+              <a:rPr lang="pt-BR" b="1" dirty="0" err="1"/>
+              <a:t>sobreajuste</a:t>
+            </a:r>
+            <a:r>
+              <a:rPr lang="pt-BR" dirty="0"/>
+              <a:t> ou </a:t>
+            </a:r>
+            <a:r>
+              <a:rPr lang="pt-BR" b="1" dirty="0" err="1"/>
+              <a:t>overfitting</a:t>
+            </a:r>
+            <a:r>
+              <a:rPr lang="pt-BR" dirty="0"/>
+              <a:t> aos dados de treino. Queremos obter um classificador capaz de generalizar para amostras nunca antes vistas.</a:t>
+            </a:r>
+          </a:p>
+          <a:p>
+            <a:endParaRPr lang="pt-BR" dirty="0"/>
+          </a:p>
+          <a:p>
+            <a:r>
+              <a:rPr lang="pt-BR" dirty="0"/>
+              <a:t>Nessa etapa, </a:t>
+            </a:r>
+            <a:r>
+              <a:rPr lang="pt-BR" dirty="0" err="1"/>
+              <a:t>abadonamos</a:t>
+            </a:r>
+            <a:r>
+              <a:rPr lang="pt-BR" dirty="0"/>
+              <a:t> a visualização temporal do treinamento por épocas e sua progressão e visualizamos apenas um recorte ou fotografia daquilo que é a performance final do nosso experimento, de onde extraímos as métricas de comparação </a:t>
+            </a:r>
+            <a:r>
+              <a:rPr lang="pt-BR" b="1" dirty="0"/>
+              <a:t>J de </a:t>
+            </a:r>
+            <a:r>
+              <a:rPr lang="pt-BR" b="1" dirty="0" err="1"/>
+              <a:t>Youden</a:t>
+            </a:r>
+            <a:r>
+              <a:rPr lang="pt-BR" b="1" dirty="0"/>
+              <a:t> </a:t>
+            </a:r>
+            <a:r>
+              <a:rPr lang="pt-BR" dirty="0"/>
+              <a:t>e </a:t>
+            </a:r>
+            <a:r>
+              <a:rPr lang="pt-BR" b="1" dirty="0"/>
+              <a:t>F1-Score.</a:t>
+            </a:r>
+            <a:endParaRPr lang="en-US" b="1" dirty="0"/>
+          </a:p>
+        </p:txBody>
+      </p:sp>
+      <p:sp>
+        <p:nvSpPr>
+          <p:cNvPr id="4" name="Slide Number Placeholder 3"/>
+          <p:cNvSpPr>
+            <a:spLocks noGrp="1"/>
+          </p:cNvSpPr>
+          <p:nvPr>
+            <p:ph type="sldNum" sz="quarter" idx="5"/>
+          </p:nvPr>
+        </p:nvSpPr>
+        <p:spPr/>
+        <p:txBody>
+          <a:bodyPr/>
+          <a:lstStyle/>
+          <a:p>
+            <a:fld id="{1115A337-D327-4878-82F7-89D283F5F6B1}" type="slidenum">
+              <a:rPr lang="en-US" smtClean="0"/>
+              <a:t>15</a:t>
+            </a:fld>
+            <a:endParaRPr lang="en-US"/>
+          </a:p>
+        </p:txBody>
+      </p:sp>
+    </p:spTree>
+    <p:extLst>
+      <p:ext uri="{BB962C8B-B14F-4D97-AF65-F5344CB8AC3E}">
+        <p14:creationId xmlns:p14="http://schemas.microsoft.com/office/powerpoint/2010/main" val="1473012503"/>
+      </p:ext>
+    </p:extLst>
+  </p:cSld>
+  <p:clrMapOvr>
+    <a:masterClrMapping/>
+  </p:clrMapOvr>
+</p:notes>
+</file>
+
+<file path=ppt/notesSlides/notesSlide14.xml><?xml version="1.0" encoding="utf-8"?>
+<p:notes xmlns:a="http://schemas.openxmlformats.org/drawingml/2006/main" xmlns:r="http://schemas.openxmlformats.org/officeDocument/2006/relationships" xmlns:p="http://schemas.openxmlformats.org/presentationml/2006/main">
+  <p:cSld>
+    <p:spTree>
+      <p:nvGrpSpPr>
+        <p:cNvPr id="1" name=""/>
+        <p:cNvGrpSpPr/>
+        <p:nvPr/>
+      </p:nvGrpSpPr>
+      <p:grpSpPr>
+        <a:xfrm>
+          <a:off x="0" y="0"/>
+          <a:ext cx="0" cy="0"/>
+          <a:chOff x="0" y="0"/>
+          <a:chExt cx="0" cy="0"/>
+        </a:xfrm>
+      </p:grpSpPr>
+      <p:sp>
+        <p:nvSpPr>
+          <p:cNvPr id="2" name="Slide Image Placeholder 1"/>
+          <p:cNvSpPr>
+            <a:spLocks noGrp="1" noRot="1" noChangeAspect="1"/>
+          </p:cNvSpPr>
+          <p:nvPr>
+            <p:ph type="sldImg"/>
+          </p:nvPr>
+        </p:nvSpPr>
+        <p:spPr/>
+      </p:sp>
+      <p:sp>
+        <p:nvSpPr>
+          <p:cNvPr id="3" name="Notes Placeholder 2"/>
+          <p:cNvSpPr>
+            <a:spLocks noGrp="1"/>
+          </p:cNvSpPr>
+          <p:nvPr>
+            <p:ph type="body" idx="1"/>
+          </p:nvPr>
+        </p:nvSpPr>
+        <p:spPr/>
+        <p:txBody>
+          <a:bodyPr/>
+          <a:lstStyle/>
+          <a:p>
+            <a:r>
+              <a:rPr lang="pt-BR" dirty="0"/>
+              <a:t>Por fim, comparamos estatisticamente nossos quatro experimentos em função das métricas escolhidas, onde variamos o tamanho das amostras e a função de ativação utilizada, buscando verificar se há diferença estatisticamente relevante entre eles.</a:t>
+            </a:r>
+          </a:p>
+          <a:p>
+            <a:endParaRPr lang="pt-BR" dirty="0"/>
+          </a:p>
+          <a:p>
+            <a:r>
+              <a:rPr lang="pt-BR" dirty="0"/>
+              <a:t>Como os dados de F1-Score e J de </a:t>
+            </a:r>
+            <a:r>
+              <a:rPr lang="pt-BR" dirty="0" err="1"/>
+              <a:t>Youden</a:t>
+            </a:r>
+            <a:r>
+              <a:rPr lang="pt-BR" dirty="0"/>
+              <a:t> das 10 validações cruzadas para cada experimento se adequam à normalidade de acordo com o teste de Shapiro-Wilk, verificamos então por meio de uma análise ANOVA que, para o intervalo de confiança de 99% os dados são estatisticamente indiferentes entre si.</a:t>
+            </a:r>
+          </a:p>
+          <a:p>
+            <a:endParaRPr lang="pt-BR" dirty="0"/>
+          </a:p>
+          <a:p>
+            <a:r>
+              <a:rPr lang="pt-BR" dirty="0"/>
+              <a:t>Ou seja, seguindo estritamente a metodologia descrita e variando apenas o tamanho das entradas fornecidas à rede neural e a sua função de ativação, os resultados são estatisticamente iguais.</a:t>
+            </a:r>
+          </a:p>
+          <a:p>
+            <a:endParaRPr lang="pt-BR" dirty="0"/>
+          </a:p>
+          <a:p>
+            <a:r>
+              <a:rPr lang="pt-BR" dirty="0"/>
+              <a:t>Isso nos leva então às nossas considerações finais.</a:t>
+            </a:r>
+            <a:endParaRPr lang="en-US" dirty="0"/>
+          </a:p>
+        </p:txBody>
+      </p:sp>
+      <p:sp>
+        <p:nvSpPr>
+          <p:cNvPr id="4" name="Slide Number Placeholder 3"/>
+          <p:cNvSpPr>
+            <a:spLocks noGrp="1"/>
+          </p:cNvSpPr>
+          <p:nvPr>
+            <p:ph type="sldNum" sz="quarter" idx="5"/>
+          </p:nvPr>
+        </p:nvSpPr>
+        <p:spPr/>
+        <p:txBody>
+          <a:bodyPr/>
+          <a:lstStyle/>
+          <a:p>
+            <a:fld id="{1115A337-D327-4878-82F7-89D283F5F6B1}" type="slidenum">
+              <a:rPr lang="en-US" smtClean="0"/>
+              <a:t>16</a:t>
+            </a:fld>
+            <a:endParaRPr lang="en-US"/>
+          </a:p>
+        </p:txBody>
+      </p:sp>
+    </p:spTree>
+    <p:extLst>
+      <p:ext uri="{BB962C8B-B14F-4D97-AF65-F5344CB8AC3E}">
+        <p14:creationId xmlns:p14="http://schemas.microsoft.com/office/powerpoint/2010/main" val="1185973431"/>
+      </p:ext>
+    </p:extLst>
+  </p:cSld>
+  <p:clrMapOvr>
+    <a:masterClrMapping/>
+  </p:clrMapOvr>
+</p:notes>
+</file>
+
+<file path=ppt/notesSlides/notesSlide15.xml><?xml version="1.0" encoding="utf-8"?>
+<p:notes xmlns:a="http://schemas.openxmlformats.org/drawingml/2006/main" xmlns:r="http://schemas.openxmlformats.org/officeDocument/2006/relationships" xmlns:p="http://schemas.openxmlformats.org/presentationml/2006/main">
+  <p:cSld>
+    <p:spTree>
+      <p:nvGrpSpPr>
+        <p:cNvPr id="1" name=""/>
+        <p:cNvGrpSpPr/>
+        <p:nvPr/>
+      </p:nvGrpSpPr>
+      <p:grpSpPr>
+        <a:xfrm>
+          <a:off x="0" y="0"/>
+          <a:ext cx="0" cy="0"/>
+          <a:chOff x="0" y="0"/>
+          <a:chExt cx="0" cy="0"/>
+        </a:xfrm>
+      </p:grpSpPr>
+      <p:sp>
+        <p:nvSpPr>
+          <p:cNvPr id="2" name="Slide Image Placeholder 1"/>
+          <p:cNvSpPr>
+            <a:spLocks noGrp="1" noRot="1" noChangeAspect="1"/>
+          </p:cNvSpPr>
+          <p:nvPr>
+            <p:ph type="sldImg"/>
+          </p:nvPr>
+        </p:nvSpPr>
+        <p:spPr/>
+      </p:sp>
+      <p:sp>
+        <p:nvSpPr>
+          <p:cNvPr id="3" name="Notes Placeholder 2"/>
+          <p:cNvSpPr>
+            <a:spLocks noGrp="1"/>
+          </p:cNvSpPr>
+          <p:nvPr>
+            <p:ph type="body" idx="1"/>
+          </p:nvPr>
+        </p:nvSpPr>
+        <p:spPr/>
+        <p:txBody>
+          <a:bodyPr/>
+          <a:lstStyle/>
+          <a:p>
+            <a:endParaRPr lang="en-US" dirty="0"/>
+          </a:p>
+        </p:txBody>
+      </p:sp>
+      <p:sp>
+        <p:nvSpPr>
+          <p:cNvPr id="4" name="Slide Number Placeholder 3"/>
+          <p:cNvSpPr>
+            <a:spLocks noGrp="1"/>
+          </p:cNvSpPr>
+          <p:nvPr>
+            <p:ph type="sldNum" sz="quarter" idx="5"/>
+          </p:nvPr>
+        </p:nvSpPr>
+        <p:spPr/>
+        <p:txBody>
+          <a:bodyPr/>
+          <a:lstStyle/>
+          <a:p>
+            <a:fld id="{1115A337-D327-4878-82F7-89D283F5F6B1}" type="slidenum">
+              <a:rPr lang="en-US" smtClean="0"/>
+              <a:t>17</a:t>
+            </a:fld>
+            <a:endParaRPr lang="en-US"/>
+          </a:p>
+        </p:txBody>
+      </p:sp>
+    </p:spTree>
+    <p:extLst>
+      <p:ext uri="{BB962C8B-B14F-4D97-AF65-F5344CB8AC3E}">
+        <p14:creationId xmlns:p14="http://schemas.microsoft.com/office/powerpoint/2010/main" val="354006988"/>
+      </p:ext>
+    </p:extLst>
+  </p:cSld>
+  <p:clrMapOvr>
+    <a:masterClrMapping/>
+  </p:clrMapOvr>
+</p:notes>
+</file>
+
+<file path=ppt/notesSlides/notesSlide16.xml><?xml version="1.0" encoding="utf-8"?>
+<p:notes xmlns:a="http://schemas.openxmlformats.org/drawingml/2006/main" xmlns:r="http://schemas.openxmlformats.org/officeDocument/2006/relationships" xmlns:p="http://schemas.openxmlformats.org/presentationml/2006/main">
+  <p:cSld>
+    <p:spTree>
+      <p:nvGrpSpPr>
+        <p:cNvPr id="1" name=""/>
+        <p:cNvGrpSpPr/>
+        <p:nvPr/>
+      </p:nvGrpSpPr>
+      <p:grpSpPr>
+        <a:xfrm>
+          <a:off x="0" y="0"/>
+          <a:ext cx="0" cy="0"/>
+          <a:chOff x="0" y="0"/>
+          <a:chExt cx="0" cy="0"/>
+        </a:xfrm>
+      </p:grpSpPr>
+      <p:sp>
+        <p:nvSpPr>
+          <p:cNvPr id="2" name="Slide Image Placeholder 1"/>
+          <p:cNvSpPr>
+            <a:spLocks noGrp="1" noRot="1" noChangeAspect="1"/>
+          </p:cNvSpPr>
+          <p:nvPr>
+            <p:ph type="sldImg"/>
+          </p:nvPr>
+        </p:nvSpPr>
+        <p:spPr/>
+      </p:sp>
+      <p:sp>
+        <p:nvSpPr>
+          <p:cNvPr id="3" name="Notes Placeholder 2"/>
+          <p:cNvSpPr>
+            <a:spLocks noGrp="1"/>
+          </p:cNvSpPr>
+          <p:nvPr>
+            <p:ph type="body" idx="1"/>
+          </p:nvPr>
+        </p:nvSpPr>
+        <p:spPr/>
+        <p:txBody>
+          <a:bodyPr/>
+          <a:lstStyle/>
+          <a:p>
+            <a:r>
+              <a:rPr lang="pt-BR" dirty="0"/>
+              <a:t>Em termos globais, os experimentos apresentaram performance interessante e similar a outros experimentos realizados sobre o mesmo banco de dados os quais serviram como referência à esse trabalho.</a:t>
+            </a:r>
+          </a:p>
+          <a:p>
+            <a:endParaRPr lang="pt-BR" dirty="0"/>
+          </a:p>
+          <a:p>
+            <a:r>
+              <a:rPr lang="pt-BR" dirty="0"/>
+              <a:t>Adotando um olhar qualitativo, é possível dizer que os classificadores, apresentando </a:t>
+            </a:r>
+            <a:r>
+              <a:rPr lang="pt-BR" dirty="0" err="1"/>
+              <a:t>F-One</a:t>
+            </a:r>
+            <a:r>
+              <a:rPr lang="pt-BR" dirty="0"/>
+              <a:t> Scores médios de 86% e </a:t>
+            </a:r>
+            <a:r>
+              <a:rPr lang="pt-BR" dirty="0" err="1"/>
+              <a:t>J’s</a:t>
+            </a:r>
+            <a:r>
+              <a:rPr lang="pt-BR" dirty="0"/>
+              <a:t> de </a:t>
+            </a:r>
+            <a:r>
+              <a:rPr lang="pt-BR" dirty="0" err="1"/>
+              <a:t>Youden</a:t>
+            </a:r>
+            <a:r>
+              <a:rPr lang="pt-BR" dirty="0"/>
+              <a:t> próximos a 1, são de fato eficientes na tarefa a que se destinam, estando bem acima daquilo que seria uma classificador aleatório ou inútil, no caso, classificadores com J de </a:t>
+            </a:r>
+            <a:r>
+              <a:rPr lang="pt-BR" dirty="0" err="1"/>
+              <a:t>Youden</a:t>
+            </a:r>
+            <a:r>
+              <a:rPr lang="pt-BR" dirty="0"/>
+              <a:t> próximos ou menores que zero.</a:t>
+            </a:r>
+          </a:p>
+          <a:p>
+            <a:endParaRPr lang="pt-BR" dirty="0"/>
+          </a:p>
+          <a:p>
+            <a:r>
+              <a:rPr lang="pt-BR" dirty="0"/>
+              <a:t>Já sobre as variações nos tamanhos das entradas e função de ativação, conforme já mencionado anteriormente, não houve variação estatisticamente relevante nos resultados e portanto podemos concluir que, nas condições de execução aqui demonstradas, não há correlação entre tais modificações e o resultados final obtido.</a:t>
+            </a:r>
+          </a:p>
+          <a:p>
+            <a:endParaRPr lang="pt-BR" dirty="0"/>
+          </a:p>
+          <a:p>
+            <a:r>
+              <a:rPr lang="pt-BR" dirty="0"/>
+              <a:t>Feitas ambas afirmações, encerra-se aqui o escopo do trabalho apresentado, abrindo caminho para posteriores trabalhos e pesquisas sobre o processamento de dados de máquinas à combustão ou mesmo relacionados à mobilidade de maneira genérica. Considero particularmente os resultados obtidos interessantes e úteis, e faço o retrospecto de que o esforço valeu a pena e os resultados são contém valor.</a:t>
+            </a:r>
+            <a:br>
+              <a:rPr lang="pt-BR" dirty="0"/>
+            </a:br>
+            <a:br>
+              <a:rPr lang="pt-BR" dirty="0"/>
+            </a:br>
+            <a:r>
+              <a:rPr lang="pt-BR" dirty="0"/>
+              <a:t>O slide a seguir contém as referências da figuras utilizadas na apresentação, também presentes no texto original. Isso é tudo, obrigado!</a:t>
+            </a:r>
+            <a:endParaRPr lang="en-US" dirty="0"/>
+          </a:p>
+        </p:txBody>
+      </p:sp>
+      <p:sp>
+        <p:nvSpPr>
+          <p:cNvPr id="4" name="Slide Number Placeholder 3"/>
+          <p:cNvSpPr>
+            <a:spLocks noGrp="1"/>
+          </p:cNvSpPr>
+          <p:nvPr>
+            <p:ph type="sldNum" sz="quarter" idx="5"/>
+          </p:nvPr>
+        </p:nvSpPr>
+        <p:spPr/>
+        <p:txBody>
+          <a:bodyPr/>
+          <a:lstStyle/>
+          <a:p>
+            <a:fld id="{1115A337-D327-4878-82F7-89D283F5F6B1}" type="slidenum">
+              <a:rPr lang="en-US" smtClean="0"/>
+              <a:t>18</a:t>
+            </a:fld>
+            <a:endParaRPr lang="en-US"/>
+          </a:p>
+        </p:txBody>
+      </p:sp>
+    </p:spTree>
+    <p:extLst>
+      <p:ext uri="{BB962C8B-B14F-4D97-AF65-F5344CB8AC3E}">
+        <p14:creationId xmlns:p14="http://schemas.microsoft.com/office/powerpoint/2010/main" val="1170745819"/>
+      </p:ext>
+    </p:extLst>
+  </p:cSld>
+  <p:clrMapOvr>
+    <a:masterClrMapping/>
+  </p:clrMapOvr>
+</p:notes>
+</file>
+
+<file path=ppt/notesSlides/notesSlide2.xml><?xml version="1.0" encoding="utf-8"?>
+<p:notes xmlns:a="http://schemas.openxmlformats.org/drawingml/2006/main" xmlns:r="http://schemas.openxmlformats.org/officeDocument/2006/relationships" xmlns:p="http://schemas.openxmlformats.org/presentationml/2006/main">
+  <p:cSld>
+    <p:spTree>
+      <p:nvGrpSpPr>
+        <p:cNvPr id="1" name=""/>
+        <p:cNvGrpSpPr/>
+        <p:nvPr/>
+      </p:nvGrpSpPr>
+      <p:grpSpPr>
+        <a:xfrm>
+          <a:off x="0" y="0"/>
+          <a:ext cx="0" cy="0"/>
+          <a:chOff x="0" y="0"/>
+          <a:chExt cx="0" cy="0"/>
+        </a:xfrm>
+      </p:grpSpPr>
+      <p:sp>
+        <p:nvSpPr>
+          <p:cNvPr id="2" name="Slide Image Placeholder 1"/>
+          <p:cNvSpPr>
+            <a:spLocks noGrp="1" noRot="1" noChangeAspect="1"/>
+          </p:cNvSpPr>
+          <p:nvPr>
+            <p:ph type="sldImg"/>
+          </p:nvPr>
+        </p:nvSpPr>
+        <p:spPr/>
+      </p:sp>
+      <p:sp>
+        <p:nvSpPr>
+          <p:cNvPr id="3" name="Notes Placeholder 2"/>
+          <p:cNvSpPr>
+            <a:spLocks noGrp="1"/>
+          </p:cNvSpPr>
+          <p:nvPr>
+            <p:ph type="body" idx="1"/>
+          </p:nvPr>
+        </p:nvSpPr>
+        <p:spPr/>
+        <p:txBody>
+          <a:bodyPr/>
+          <a:lstStyle/>
+          <a:p>
+            <a:r>
+              <a:rPr lang="pt-BR" dirty="0"/>
+              <a:t>O trabalho aqui apresentado trata sobre motores e máquinas a combustão.</a:t>
+            </a:r>
+          </a:p>
+          <a:p>
+            <a:endParaRPr lang="pt-BR" dirty="0"/>
+          </a:p>
+          <a:p>
+            <a:r>
+              <a:rPr lang="pt-BR" dirty="0"/>
+              <a:t>Esse é um fenômeno há muito dominado pela indústria, que move o mundo com prós e contras bem conhecidos.</a:t>
+            </a:r>
+            <a:br>
+              <a:rPr lang="pt-BR" dirty="0"/>
+            </a:br>
+            <a:br>
+              <a:rPr lang="pt-BR" dirty="0"/>
+            </a:br>
+            <a:r>
+              <a:rPr lang="pt-BR" dirty="0"/>
+              <a:t>Seja para planejar demanda de tráfego diretamente ou mesmo colaborar com fornecimento de dados no ambiente das </a:t>
+            </a:r>
+            <a:r>
+              <a:rPr lang="pt-BR" dirty="0" err="1"/>
+              <a:t>smart-cities</a:t>
+            </a:r>
+            <a:r>
+              <a:rPr lang="pt-BR" dirty="0"/>
+              <a:t>, a mobilidade tem e terá uma participação chave no contexto do big-data urbano.</a:t>
+            </a:r>
+          </a:p>
+          <a:p>
+            <a:endParaRPr lang="pt-BR" dirty="0"/>
+          </a:p>
+          <a:p>
+            <a:r>
+              <a:rPr lang="pt-BR" dirty="0"/>
+              <a:t>Para isso, é importante assegurar que os dados estão sendo processados de maneira eficiente produzindo como saída tomadas de decisões automatizadas. </a:t>
+            </a:r>
+          </a:p>
+          <a:p>
+            <a:endParaRPr lang="pt-BR" dirty="0"/>
+          </a:p>
+          <a:p>
+            <a:r>
+              <a:rPr lang="pt-BR" dirty="0"/>
+              <a:t>Os dados utilizados no trabalho aqui discutido consistem em sons ou recortes sonoros de motores a combustão e outros ruídos diversos.</a:t>
+            </a:r>
+          </a:p>
+          <a:p>
+            <a:endParaRPr lang="pt-BR" dirty="0"/>
+          </a:p>
+        </p:txBody>
+      </p:sp>
+      <p:sp>
+        <p:nvSpPr>
+          <p:cNvPr id="4" name="Slide Number Placeholder 3"/>
+          <p:cNvSpPr>
+            <a:spLocks noGrp="1"/>
+          </p:cNvSpPr>
+          <p:nvPr>
+            <p:ph type="sldNum" sz="quarter" idx="5"/>
+          </p:nvPr>
+        </p:nvSpPr>
+        <p:spPr/>
+        <p:txBody>
+          <a:bodyPr/>
+          <a:lstStyle/>
+          <a:p>
+            <a:fld id="{1115A337-D327-4878-82F7-89D283F5F6B1}" type="slidenum">
+              <a:rPr lang="en-US" smtClean="0"/>
+              <a:t>2</a:t>
+            </a:fld>
+            <a:endParaRPr lang="en-US"/>
+          </a:p>
+        </p:txBody>
+      </p:sp>
+    </p:spTree>
+    <p:extLst>
+      <p:ext uri="{BB962C8B-B14F-4D97-AF65-F5344CB8AC3E}">
+        <p14:creationId xmlns:p14="http://schemas.microsoft.com/office/powerpoint/2010/main" val="635947264"/>
+      </p:ext>
+    </p:extLst>
+  </p:cSld>
+  <p:clrMapOvr>
+    <a:masterClrMapping/>
+  </p:clrMapOvr>
+</p:notes>
+</file>
+
+<file path=ppt/notesSlides/notesSlide3.xml><?xml version="1.0" encoding="utf-8"?>
+<p:notes xmlns:a="http://schemas.openxmlformats.org/drawingml/2006/main" xmlns:r="http://schemas.openxmlformats.org/officeDocument/2006/relationships" xmlns:p="http://schemas.openxmlformats.org/presentationml/2006/main">
+  <p:cSld>
+    <p:spTree>
+      <p:nvGrpSpPr>
+        <p:cNvPr id="1" name=""/>
+        <p:cNvGrpSpPr/>
+        <p:nvPr/>
+      </p:nvGrpSpPr>
+      <p:grpSpPr>
+        <a:xfrm>
+          <a:off x="0" y="0"/>
+          <a:ext cx="0" cy="0"/>
+          <a:chOff x="0" y="0"/>
+          <a:chExt cx="0" cy="0"/>
+        </a:xfrm>
+      </p:grpSpPr>
+      <p:sp>
+        <p:nvSpPr>
+          <p:cNvPr id="2" name="Slide Image Placeholder 1"/>
+          <p:cNvSpPr>
+            <a:spLocks noGrp="1" noRot="1" noChangeAspect="1"/>
+          </p:cNvSpPr>
+          <p:nvPr>
+            <p:ph type="sldImg"/>
+          </p:nvPr>
+        </p:nvSpPr>
+        <p:spPr/>
+      </p:sp>
+      <p:sp>
+        <p:nvSpPr>
+          <p:cNvPr id="3" name="Notes Placeholder 2"/>
+          <p:cNvSpPr>
+            <a:spLocks noGrp="1"/>
+          </p:cNvSpPr>
+          <p:nvPr>
+            <p:ph type="body" idx="1"/>
+          </p:nvPr>
+        </p:nvSpPr>
+        <p:spPr/>
+        <p:txBody>
+          <a:bodyPr/>
+          <a:lstStyle/>
+          <a:p>
+            <a:r>
+              <a:rPr lang="pt-BR" dirty="0"/>
+              <a:t>Coletar e armazenar dados é parte fundamental do processo, mas o processamento e extração de valor destes em tempo real é parte indissociável do seu ciclo de vida.</a:t>
+            </a:r>
+          </a:p>
+          <a:p>
+            <a:endParaRPr lang="pt-BR" dirty="0"/>
+          </a:p>
+          <a:p>
+            <a:r>
+              <a:rPr lang="pt-BR" dirty="0" err="1"/>
+              <a:t>Difícilmente</a:t>
+            </a:r>
+            <a:r>
+              <a:rPr lang="pt-BR" dirty="0"/>
+              <a:t> dados armazenados e não imediatamente processados serão revisitados futuramente. Temos que tirar o maior proveito possível daquilo que coletamos.</a:t>
+            </a:r>
+            <a:endParaRPr lang="en-US" dirty="0"/>
+          </a:p>
+        </p:txBody>
+      </p:sp>
+      <p:sp>
+        <p:nvSpPr>
+          <p:cNvPr id="4" name="Slide Number Placeholder 3"/>
+          <p:cNvSpPr>
+            <a:spLocks noGrp="1"/>
+          </p:cNvSpPr>
+          <p:nvPr>
+            <p:ph type="sldNum" sz="quarter" idx="5"/>
+          </p:nvPr>
+        </p:nvSpPr>
+        <p:spPr/>
+        <p:txBody>
+          <a:bodyPr/>
+          <a:lstStyle/>
+          <a:p>
+            <a:fld id="{1115A337-D327-4878-82F7-89D283F5F6B1}" type="slidenum">
+              <a:rPr lang="en-US" smtClean="0"/>
+              <a:t>3</a:t>
+            </a:fld>
+            <a:endParaRPr lang="en-US"/>
+          </a:p>
+        </p:txBody>
+      </p:sp>
+    </p:spTree>
+    <p:extLst>
+      <p:ext uri="{BB962C8B-B14F-4D97-AF65-F5344CB8AC3E}">
+        <p14:creationId xmlns:p14="http://schemas.microsoft.com/office/powerpoint/2010/main" val="2417335365"/>
+      </p:ext>
+    </p:extLst>
+  </p:cSld>
+  <p:clrMapOvr>
+    <a:masterClrMapping/>
+  </p:clrMapOvr>
+</p:notes>
+</file>
+
+<file path=ppt/notesSlides/notesSlide4.xml><?xml version="1.0" encoding="utf-8"?>
+<p:notes xmlns:a="http://schemas.openxmlformats.org/drawingml/2006/main" xmlns:r="http://schemas.openxmlformats.org/officeDocument/2006/relationships" xmlns:p="http://schemas.openxmlformats.org/presentationml/2006/main">
+  <p:cSld>
+    <p:spTree>
+      <p:nvGrpSpPr>
+        <p:cNvPr id="1" name=""/>
+        <p:cNvGrpSpPr/>
+        <p:nvPr/>
+      </p:nvGrpSpPr>
+      <p:grpSpPr>
+        <a:xfrm>
+          <a:off x="0" y="0"/>
+          <a:ext cx="0" cy="0"/>
+          <a:chOff x="0" y="0"/>
+          <a:chExt cx="0" cy="0"/>
+        </a:xfrm>
+      </p:grpSpPr>
+      <p:sp>
+        <p:nvSpPr>
+          <p:cNvPr id="2" name="Slide Image Placeholder 1"/>
+          <p:cNvSpPr>
+            <a:spLocks noGrp="1" noRot="1" noChangeAspect="1"/>
+          </p:cNvSpPr>
+          <p:nvPr>
+            <p:ph type="sldImg"/>
+          </p:nvPr>
+        </p:nvSpPr>
+        <p:spPr/>
+      </p:sp>
+      <p:sp>
+        <p:nvSpPr>
+          <p:cNvPr id="3" name="Notes Placeholder 2"/>
+          <p:cNvSpPr>
+            <a:spLocks noGrp="1"/>
+          </p:cNvSpPr>
+          <p:nvPr>
+            <p:ph type="body" idx="1"/>
+          </p:nvPr>
+        </p:nvSpPr>
+        <p:spPr/>
+        <p:txBody>
+          <a:bodyPr/>
+          <a:lstStyle/>
+          <a:p>
+            <a:r>
+              <a:rPr lang="pt-BR" dirty="0"/>
+              <a:t>O processamento de áudio por redes neurais, tema aqui explorado, é uma vertente bastante popular do aprendizado de máquina.</a:t>
+            </a:r>
+          </a:p>
+          <a:p>
+            <a:endParaRPr lang="pt-BR" dirty="0"/>
+          </a:p>
+          <a:p>
+            <a:r>
+              <a:rPr lang="pt-BR" dirty="0"/>
+              <a:t>Para o trabalho em questão utilizamos o banco de dados </a:t>
+            </a:r>
+            <a:r>
+              <a:rPr lang="pt-BR" b="1" dirty="0" err="1"/>
+              <a:t>UrbanSound</a:t>
+            </a:r>
+            <a:r>
+              <a:rPr lang="pt-BR" b="1" dirty="0"/>
+              <a:t> 8 </a:t>
+            </a:r>
+            <a:r>
+              <a:rPr lang="pt-BR" b="1" dirty="0" err="1"/>
+              <a:t>thousand</a:t>
+            </a:r>
+            <a:r>
+              <a:rPr lang="pt-BR" dirty="0"/>
+              <a:t>, que contém 8000 recortes de áudios curtos, </a:t>
+            </a:r>
+            <a:r>
+              <a:rPr lang="pt-BR" dirty="0" err="1"/>
+              <a:t>pré</a:t>
+            </a:r>
+            <a:r>
+              <a:rPr lang="pt-BR" dirty="0"/>
+              <a:t> distribuídos em dez categorias, como mostrado na ilustração à direita.</a:t>
+            </a:r>
+          </a:p>
+          <a:p>
+            <a:endParaRPr lang="pt-BR" dirty="0"/>
+          </a:p>
+          <a:p>
+            <a:r>
+              <a:rPr lang="pt-BR" dirty="0"/>
+              <a:t>Para a pesquisa, essas categorias serão simplificadas em apenas duas:</a:t>
+            </a:r>
+            <a:br>
+              <a:rPr lang="pt-BR" dirty="0"/>
+            </a:br>
+            <a:r>
+              <a:rPr lang="pt-BR" dirty="0"/>
+              <a:t>	- A categoria dos </a:t>
+            </a:r>
+            <a:r>
+              <a:rPr lang="pt-BR" b="1" dirty="0"/>
+              <a:t>motores a combustão, </a:t>
+            </a:r>
+            <a:r>
+              <a:rPr lang="pt-BR" b="0" dirty="0"/>
+              <a:t>que contém aproximadamente 10% das amostras;</a:t>
+            </a:r>
+            <a:br>
+              <a:rPr lang="pt-BR" b="0" dirty="0"/>
+            </a:br>
+            <a:r>
+              <a:rPr lang="pt-BR" dirty="0"/>
+              <a:t>	- E a categoria dos </a:t>
+            </a:r>
+            <a:r>
+              <a:rPr lang="pt-BR" b="1" dirty="0"/>
+              <a:t>não motores a combustão </a:t>
+            </a:r>
+            <a:r>
+              <a:rPr lang="pt-BR" dirty="0"/>
+              <a:t>ou apenas “</a:t>
+            </a:r>
+            <a:r>
+              <a:rPr lang="pt-BR" b="1" dirty="0"/>
+              <a:t>outros</a:t>
+            </a:r>
+            <a:r>
+              <a:rPr lang="pt-BR" dirty="0"/>
+              <a:t>”.</a:t>
+            </a:r>
+          </a:p>
+          <a:p>
+            <a:endParaRPr lang="pt-BR" dirty="0"/>
+          </a:p>
+          <a:p>
+            <a:r>
+              <a:rPr lang="pt-BR" dirty="0"/>
+              <a:t>Assim sendo, teremos uma </a:t>
+            </a:r>
+            <a:r>
+              <a:rPr lang="pt-BR" b="1" dirty="0"/>
+              <a:t>classificador binário.</a:t>
+            </a:r>
+            <a:endParaRPr lang="en-US" b="1" dirty="0"/>
+          </a:p>
+        </p:txBody>
+      </p:sp>
+      <p:sp>
+        <p:nvSpPr>
+          <p:cNvPr id="4" name="Slide Number Placeholder 3"/>
+          <p:cNvSpPr>
+            <a:spLocks noGrp="1"/>
+          </p:cNvSpPr>
+          <p:nvPr>
+            <p:ph type="sldNum" sz="quarter" idx="5"/>
+          </p:nvPr>
+        </p:nvSpPr>
+        <p:spPr/>
+        <p:txBody>
+          <a:bodyPr/>
+          <a:lstStyle/>
+          <a:p>
+            <a:fld id="{1115A337-D327-4878-82F7-89D283F5F6B1}" type="slidenum">
+              <a:rPr lang="en-US" smtClean="0"/>
+              <a:t>5</a:t>
+            </a:fld>
+            <a:endParaRPr lang="en-US"/>
+          </a:p>
+        </p:txBody>
+      </p:sp>
+    </p:spTree>
+    <p:extLst>
+      <p:ext uri="{BB962C8B-B14F-4D97-AF65-F5344CB8AC3E}">
+        <p14:creationId xmlns:p14="http://schemas.microsoft.com/office/powerpoint/2010/main" val="3010939116"/>
+      </p:ext>
+    </p:extLst>
+  </p:cSld>
+  <p:clrMapOvr>
+    <a:masterClrMapping/>
+  </p:clrMapOvr>
+</p:notes>
+</file>
+
+<file path=ppt/notesSlides/notesSlide5.xml><?xml version="1.0" encoding="utf-8"?>
+<p:notes xmlns:a="http://schemas.openxmlformats.org/drawingml/2006/main" xmlns:r="http://schemas.openxmlformats.org/officeDocument/2006/relationships" xmlns:p="http://schemas.openxmlformats.org/presentationml/2006/main">
+  <p:cSld>
+    <p:spTree>
+      <p:nvGrpSpPr>
+        <p:cNvPr id="1" name=""/>
+        <p:cNvGrpSpPr/>
+        <p:nvPr/>
+      </p:nvGrpSpPr>
+      <p:grpSpPr>
+        <a:xfrm>
+          <a:off x="0" y="0"/>
+          <a:ext cx="0" cy="0"/>
+          <a:chOff x="0" y="0"/>
+          <a:chExt cx="0" cy="0"/>
+        </a:xfrm>
+      </p:grpSpPr>
+      <p:sp>
+        <p:nvSpPr>
+          <p:cNvPr id="2" name="Slide Image Placeholder 1"/>
+          <p:cNvSpPr>
+            <a:spLocks noGrp="1" noRot="1" noChangeAspect="1"/>
+          </p:cNvSpPr>
+          <p:nvPr>
+            <p:ph type="sldImg"/>
+          </p:nvPr>
+        </p:nvSpPr>
+        <p:spPr/>
+      </p:sp>
+      <p:sp>
+        <p:nvSpPr>
+          <p:cNvPr id="3" name="Notes Placeholder 2"/>
+          <p:cNvSpPr>
+            <a:spLocks noGrp="1"/>
+          </p:cNvSpPr>
+          <p:nvPr>
+            <p:ph type="body" idx="1"/>
+          </p:nvPr>
+        </p:nvSpPr>
+        <p:spPr/>
+        <p:txBody>
+          <a:bodyPr/>
+          <a:lstStyle/>
+          <a:p>
+            <a:r>
+              <a:rPr lang="pt-BR" dirty="0"/>
+              <a:t>Esse agrupamento e redivisão das categorias fatalmente gera um desbalanceamento notável nos dados, o que tende a gerar fortes e altamente indesejáveis vieses no classificador.</a:t>
+            </a:r>
+          </a:p>
+          <a:p>
+            <a:endParaRPr lang="pt-BR" dirty="0"/>
+          </a:p>
+          <a:p>
+            <a:r>
+              <a:rPr lang="pt-BR" dirty="0"/>
+              <a:t>Para solucionar esse problema, adotamos duas técnicas de </a:t>
+            </a:r>
+            <a:r>
+              <a:rPr lang="pt-BR" b="1" dirty="0"/>
+              <a:t>data-</a:t>
+            </a:r>
+            <a:r>
+              <a:rPr lang="pt-BR" b="1" dirty="0" err="1"/>
+              <a:t>augmentation</a:t>
+            </a:r>
+            <a:r>
+              <a:rPr lang="pt-BR" dirty="0"/>
+              <a:t>:</a:t>
+            </a:r>
+          </a:p>
+          <a:p>
+            <a:r>
+              <a:rPr lang="pt-BR" dirty="0"/>
+              <a:t>	- A segmentação dos recortes originais em recortes de áudio com tempos padronizados;</a:t>
+            </a:r>
+          </a:p>
+          <a:p>
+            <a:r>
+              <a:rPr lang="pt-BR" dirty="0"/>
+              <a:t>	- A criação de amostras artificiais com adição de ruído branco e compressão ou dilatação no tempo;</a:t>
+            </a:r>
+            <a:endParaRPr lang="en-US" dirty="0"/>
+          </a:p>
+        </p:txBody>
+      </p:sp>
+      <p:sp>
+        <p:nvSpPr>
+          <p:cNvPr id="4" name="Slide Number Placeholder 3"/>
+          <p:cNvSpPr>
+            <a:spLocks noGrp="1"/>
+          </p:cNvSpPr>
+          <p:nvPr>
+            <p:ph type="sldNum" sz="quarter" idx="5"/>
+          </p:nvPr>
+        </p:nvSpPr>
+        <p:spPr/>
+        <p:txBody>
+          <a:bodyPr/>
+          <a:lstStyle/>
+          <a:p>
+            <a:fld id="{1115A337-D327-4878-82F7-89D283F5F6B1}" type="slidenum">
+              <a:rPr lang="en-US" smtClean="0"/>
+              <a:t>6</a:t>
+            </a:fld>
+            <a:endParaRPr lang="en-US"/>
+          </a:p>
+        </p:txBody>
+      </p:sp>
+    </p:spTree>
+    <p:extLst>
+      <p:ext uri="{BB962C8B-B14F-4D97-AF65-F5344CB8AC3E}">
+        <p14:creationId xmlns:p14="http://schemas.microsoft.com/office/powerpoint/2010/main" val="1690858952"/>
+      </p:ext>
+    </p:extLst>
+  </p:cSld>
+  <p:clrMapOvr>
+    <a:masterClrMapping/>
+  </p:clrMapOvr>
+</p:notes>
+</file>
+
+<file path=ppt/notesSlides/notesSlide6.xml><?xml version="1.0" encoding="utf-8"?>
+<p:notes xmlns:a="http://schemas.openxmlformats.org/drawingml/2006/main" xmlns:r="http://schemas.openxmlformats.org/officeDocument/2006/relationships" xmlns:p="http://schemas.openxmlformats.org/presentationml/2006/main">
+  <p:cSld>
+    <p:spTree>
+      <p:nvGrpSpPr>
+        <p:cNvPr id="1" name=""/>
+        <p:cNvGrpSpPr/>
+        <p:nvPr/>
+      </p:nvGrpSpPr>
+      <p:grpSpPr>
+        <a:xfrm>
+          <a:off x="0" y="0"/>
+          <a:ext cx="0" cy="0"/>
+          <a:chOff x="0" y="0"/>
+          <a:chExt cx="0" cy="0"/>
+        </a:xfrm>
+      </p:grpSpPr>
+      <p:sp>
+        <p:nvSpPr>
+          <p:cNvPr id="2" name="Slide Image Placeholder 1"/>
+          <p:cNvSpPr>
+            <a:spLocks noGrp="1" noRot="1" noChangeAspect="1"/>
+          </p:cNvSpPr>
+          <p:nvPr>
+            <p:ph type="sldImg"/>
+          </p:nvPr>
+        </p:nvSpPr>
+        <p:spPr/>
+      </p:sp>
+      <p:sp>
+        <p:nvSpPr>
+          <p:cNvPr id="3" name="Notes Placeholder 2"/>
+          <p:cNvSpPr>
+            <a:spLocks noGrp="1"/>
+          </p:cNvSpPr>
+          <p:nvPr>
+            <p:ph type="body" idx="1"/>
+          </p:nvPr>
+        </p:nvSpPr>
+        <p:spPr/>
+        <p:txBody>
+          <a:bodyPr/>
+          <a:lstStyle/>
+          <a:p>
             <a:pPr marL="0" marR="0" lvl="0" indent="0" algn="l" defTabSz="914400" rtl="0" eaLnBrk="1" fontAlgn="auto" latinLnBrk="0" hangingPunct="1">
               <a:lnSpc>
                 <a:spcPct val="100000"/>
@@ -551,7 +2670,7 @@
                   </a:schemeClr>
                 </a:solidFill>
               </a:rPr>
-              <a:t>O aumento dos dados originais foi feito através do </a:t>
+              <a:t>Dessa maneira, o aumento dos dados originais foi feito através do </a:t>
             </a:r>
             <a:r>
               <a:rPr lang="pt-BR" sz="1200" b="1" dirty="0">
@@ -659,7 +2778,35 @@
                   </a:schemeClr>
                 </a:solidFill>
               </a:rPr>
-              <a:t>das amostras, de maneira a aumentar o número de segmentos finais e auxiliar no balanceamento. Os segmentos sobrepostos provenientes de uma mesma amostra foram complementados com a </a:t>
+              <a:t>das amostras, conforme ilustrado na figura do slide, de maneira a aumentar o número de segmentos finais e auxiliar no balanceamento dos dados “meio a meio”.</a:t>
+            </a:r>
+            <a:br>
+              <a:rPr lang="pt-BR" sz="1200" dirty="0">
+                <a:solidFill>
+                  <a:schemeClr val="accent1">
+                    <a:lumMod val="50000"/>
+                  </a:schemeClr>
+                </a:solidFill>
+              </a:rPr>
+            </a:br>
+            <a:br>
+              <a:rPr lang="pt-BR" sz="1200" dirty="0">
+                <a:solidFill>
+                  <a:schemeClr val="accent1">
+                    <a:lumMod val="50000"/>
+                  </a:schemeClr>
+                </a:solidFill>
+              </a:rPr>
+            </a:br>
+            <a:r>
+              <a:rPr lang="pt-BR" sz="1200" dirty="0">
+                <a:solidFill>
+                  <a:schemeClr val="accent1">
+                    <a:lumMod val="50000"/>
+                  </a:schemeClr>
+                </a:solidFill>
+              </a:rPr>
+              <a:t>Os segmentos sobrepostos provenientes de uma mesma amostra foram complementados com a </a:t>
             </a:r>
             <a:r>
               <a:rPr lang="pt-BR" sz="1200" b="1" dirty="0">
@@ -669,7 +2816,7 @@
                   </a:schemeClr>
                 </a:solidFill>
               </a:rPr>
-              <a:t>adição de ruído branco e compressão </a:t>
+              <a:t>adição de ruído branco aleatório e compressão aleatória no tempo</a:t>
             </a:r>
             <a:r>
               <a:rPr lang="pt-BR" sz="1200" dirty="0">
@@ -679,7 +2826,7 @@
                   </a:schemeClr>
                 </a:solidFill>
               </a:rPr>
-              <a:t>no tempo (fatores aleatórios), gerando </a:t>
+              <a:t>, gerando os anteriormente referidos </a:t>
             </a:r>
             <a:r>
               <a:rPr lang="pt-BR" sz="1200" b="1" dirty="0">
@@ -731,6 +2878,651 @@
     <p:extLst>
       <p:ext uri="{BB962C8B-B14F-4D97-AF65-F5344CB8AC3E}">
         <p14:creationId xmlns:p14="http://schemas.microsoft.com/office/powerpoint/2010/main" val="3766105312"/>
+      </p:ext>
+    </p:extLst>
+  </p:cSld>
+  <p:clrMapOvr>
+    <a:masterClrMapping/>
+  </p:clrMapOvr>
+</p:notes>
+</file>
+
+<file path=ppt/notesSlides/notesSlide7.xml><?xml version="1.0" encoding="utf-8"?>
+<p:notes xmlns:a="http://schemas.openxmlformats.org/drawingml/2006/main" xmlns:r="http://schemas.openxmlformats.org/officeDocument/2006/relationships" xmlns:p="http://schemas.openxmlformats.org/presentationml/2006/main">
+  <p:cSld>
+    <p:spTree>
+      <p:nvGrpSpPr>
+        <p:cNvPr id="1" name=""/>
+        <p:cNvGrpSpPr/>
+        <p:nvPr/>
+      </p:nvGrpSpPr>
+      <p:grpSpPr>
+        <a:xfrm>
+          <a:off x="0" y="0"/>
+          <a:ext cx="0" cy="0"/>
+          <a:chOff x="0" y="0"/>
+          <a:chExt cx="0" cy="0"/>
+        </a:xfrm>
+      </p:grpSpPr>
+      <p:sp>
+        <p:nvSpPr>
+          <p:cNvPr id="2" name="Slide Image Placeholder 1"/>
+          <p:cNvSpPr>
+            <a:spLocks noGrp="1" noRot="1" noChangeAspect="1"/>
+          </p:cNvSpPr>
+          <p:nvPr>
+            <p:ph type="sldImg"/>
+          </p:nvPr>
+        </p:nvSpPr>
+        <p:spPr/>
+      </p:sp>
+      <p:sp>
+        <p:nvSpPr>
+          <p:cNvPr id="3" name="Notes Placeholder 2"/>
+          <p:cNvSpPr>
+            <a:spLocks noGrp="1"/>
+          </p:cNvSpPr>
+          <p:nvPr>
+            <p:ph type="body" idx="1"/>
+          </p:nvPr>
+        </p:nvSpPr>
+        <p:spPr/>
+        <p:txBody>
+          <a:bodyPr/>
+          <a:lstStyle/>
+          <a:p>
+            <a:r>
+              <a:rPr lang="pt-BR" dirty="0"/>
+              <a:t>Por fim, como passo final do preparo dos dados para alimentar a rede neural, extraímos as informações ou </a:t>
+            </a:r>
+            <a:r>
+              <a:rPr lang="pt-BR" dirty="0" err="1"/>
+              <a:t>features</a:t>
+            </a:r>
+            <a:r>
+              <a:rPr lang="pt-BR" dirty="0"/>
+              <a:t> dos recortes de áudio por meio da transformação dos mesmo em espectrogramas.</a:t>
+            </a:r>
+          </a:p>
+          <a:p>
+            <a:endParaRPr lang="pt-BR" dirty="0"/>
+          </a:p>
+          <a:p>
+            <a:r>
+              <a:rPr lang="pt-BR" dirty="0"/>
+              <a:t>Os espectrogramas contém informações da intensidade sonora em função não apenas do tempo, mas também por banda de frequência, o que torna nosso problema de classificação em algo muito similar à classificação de imagens, vertente também muito popular e disseminada e ramo das redes neurais </a:t>
+            </a:r>
+            <a:r>
+              <a:rPr lang="pt-BR" dirty="0" err="1"/>
+              <a:t>convolucionais</a:t>
+            </a:r>
+            <a:r>
+              <a:rPr lang="pt-BR" dirty="0"/>
+              <a:t>.</a:t>
+            </a:r>
+          </a:p>
+          <a:p>
+            <a:endParaRPr lang="pt-BR" dirty="0"/>
+          </a:p>
+          <a:p>
+            <a:r>
+              <a:rPr lang="en-US" dirty="0"/>
+              <a:t>A </a:t>
+            </a:r>
+            <a:r>
+              <a:rPr lang="en-US" dirty="0" err="1"/>
+              <a:t>figura</a:t>
+            </a:r>
+            <a:r>
+              <a:rPr lang="en-US" dirty="0"/>
+              <a:t> a </a:t>
+            </a:r>
+            <a:r>
+              <a:rPr lang="en-US" dirty="0" err="1"/>
+              <a:t>direita</a:t>
+            </a:r>
+            <a:r>
+              <a:rPr lang="en-US" dirty="0"/>
+              <a:t> </a:t>
+            </a:r>
+            <a:r>
+              <a:rPr lang="en-US" dirty="0" err="1"/>
+              <a:t>ilustra</a:t>
+            </a:r>
+            <a:r>
+              <a:rPr lang="en-US" dirty="0"/>
+              <a:t> de </a:t>
+            </a:r>
+            <a:r>
+              <a:rPr lang="en-US" dirty="0" err="1"/>
+              <a:t>maneira</a:t>
+            </a:r>
+            <a:r>
+              <a:rPr lang="en-US" dirty="0"/>
+              <a:t> visual </a:t>
+            </a:r>
+            <a:r>
+              <a:rPr lang="en-US" dirty="0" err="1"/>
+              <a:t>como</a:t>
+            </a:r>
+            <a:r>
+              <a:rPr lang="en-US" dirty="0"/>
+              <a:t> </a:t>
+            </a:r>
+            <a:r>
+              <a:rPr lang="en-US" dirty="0" err="1"/>
+              <a:t>funciona</a:t>
+            </a:r>
+            <a:r>
+              <a:rPr lang="en-US" dirty="0"/>
+              <a:t> a </a:t>
+            </a:r>
+            <a:r>
+              <a:rPr lang="en-US" dirty="0" err="1"/>
+              <a:t>conversão</a:t>
+            </a:r>
+            <a:r>
+              <a:rPr lang="en-US" dirty="0"/>
+              <a:t> do </a:t>
+            </a:r>
+            <a:r>
+              <a:rPr lang="en-US" dirty="0" err="1"/>
+              <a:t>sinal</a:t>
+            </a:r>
+            <a:r>
+              <a:rPr lang="en-US" dirty="0"/>
+              <a:t> de </a:t>
+            </a:r>
+            <a:r>
+              <a:rPr lang="en-US" dirty="0" err="1"/>
+              <a:t>áudio</a:t>
+            </a:r>
+            <a:r>
+              <a:rPr lang="en-US" dirty="0"/>
+              <a:t> original </a:t>
+            </a:r>
+            <a:r>
+              <a:rPr lang="en-US" dirty="0" err="1"/>
+              <a:t>em</a:t>
+            </a:r>
+            <a:r>
+              <a:rPr lang="en-US" dirty="0"/>
+              <a:t> um </a:t>
+            </a:r>
+            <a:r>
+              <a:rPr lang="en-US" dirty="0" err="1"/>
+              <a:t>espectrograma</a:t>
+            </a:r>
+            <a:r>
+              <a:rPr lang="en-US" dirty="0"/>
+              <a:t> e </a:t>
+            </a:r>
+            <a:r>
+              <a:rPr lang="en-US" dirty="0" err="1"/>
+              <a:t>como</a:t>
+            </a:r>
+            <a:r>
+              <a:rPr lang="en-US" dirty="0"/>
+              <a:t> o </a:t>
+            </a:r>
+            <a:r>
+              <a:rPr lang="en-US" dirty="0" err="1"/>
+              <a:t>resultado</a:t>
+            </a:r>
+            <a:r>
+              <a:rPr lang="en-US" dirty="0"/>
+              <a:t> dessa </a:t>
+            </a:r>
+            <a:r>
+              <a:rPr lang="en-US" dirty="0" err="1"/>
+              <a:t>conversão</a:t>
+            </a:r>
+            <a:r>
+              <a:rPr lang="en-US" dirty="0"/>
+              <a:t>, de </a:t>
+            </a:r>
+            <a:r>
+              <a:rPr lang="en-US" dirty="0" err="1"/>
+              <a:t>fato</a:t>
+            </a:r>
+            <a:r>
+              <a:rPr lang="en-US" dirty="0"/>
+              <a:t>, se </a:t>
+            </a:r>
+            <a:r>
+              <a:rPr lang="en-US" dirty="0" err="1"/>
+              <a:t>assemelha</a:t>
+            </a:r>
+            <a:r>
+              <a:rPr lang="en-US" dirty="0"/>
+              <a:t> à </a:t>
+            </a:r>
+            <a:r>
+              <a:rPr lang="en-US" dirty="0" err="1"/>
+              <a:t>uma</a:t>
+            </a:r>
+            <a:r>
+              <a:rPr lang="en-US" dirty="0"/>
+              <a:t> </a:t>
+            </a:r>
+            <a:r>
+              <a:rPr lang="en-US" dirty="0" err="1"/>
+              <a:t>imagem</a:t>
+            </a:r>
+            <a:r>
+              <a:rPr lang="en-US" dirty="0"/>
+              <a:t>. O </a:t>
+            </a:r>
+            <a:r>
+              <a:rPr lang="en-US" dirty="0" err="1"/>
+              <a:t>espectrograma</a:t>
+            </a:r>
+            <a:r>
+              <a:rPr lang="en-US" dirty="0"/>
+              <a:t> </a:t>
+            </a:r>
+            <a:r>
+              <a:rPr lang="en-US" dirty="0" err="1"/>
+              <a:t>nos</a:t>
+            </a:r>
+            <a:r>
+              <a:rPr lang="en-US" dirty="0"/>
+              <a:t> </a:t>
+            </a:r>
+            <a:r>
+              <a:rPr lang="en-US" dirty="0" err="1"/>
+              <a:t>forcece</a:t>
+            </a:r>
+            <a:r>
+              <a:rPr lang="en-US" dirty="0"/>
+              <a:t> </a:t>
+            </a:r>
+            <a:r>
+              <a:rPr lang="en-US" dirty="0" err="1"/>
+              <a:t>uma</a:t>
+            </a:r>
+            <a:r>
+              <a:rPr lang="en-US" dirty="0"/>
+              <a:t> </a:t>
+            </a:r>
+            <a:r>
+              <a:rPr lang="en-US" dirty="0" err="1"/>
+              <a:t>assinatura</a:t>
+            </a:r>
+            <a:r>
+              <a:rPr lang="en-US" dirty="0"/>
+              <a:t> do </a:t>
+            </a:r>
+            <a:r>
+              <a:rPr lang="en-US" dirty="0" err="1"/>
+              <a:t>recorte</a:t>
+            </a:r>
+            <a:r>
+              <a:rPr lang="en-US" dirty="0"/>
+              <a:t> de </a:t>
+            </a:r>
+            <a:r>
+              <a:rPr lang="en-US" dirty="0" err="1"/>
+              <a:t>áudio</a:t>
+            </a:r>
+            <a:r>
+              <a:rPr lang="en-US" dirty="0"/>
+              <a:t> </a:t>
+            </a:r>
+            <a:r>
+              <a:rPr lang="en-US" dirty="0" err="1"/>
+              <a:t>em</a:t>
+            </a:r>
+            <a:r>
+              <a:rPr lang="en-US" dirty="0"/>
+              <a:t> </a:t>
+            </a:r>
+            <a:r>
+              <a:rPr lang="en-US" dirty="0" err="1"/>
+              <a:t>questão</a:t>
+            </a:r>
+            <a:r>
+              <a:rPr lang="en-US" dirty="0"/>
+              <a:t>, o que é um </a:t>
+            </a:r>
+            <a:r>
+              <a:rPr lang="en-US" dirty="0" err="1"/>
+              <a:t>primeiro</a:t>
+            </a:r>
+            <a:r>
+              <a:rPr lang="en-US" dirty="0"/>
+              <a:t> </a:t>
+            </a:r>
+            <a:r>
+              <a:rPr lang="en-US" dirty="0" err="1"/>
+              <a:t>passo</a:t>
+            </a:r>
+            <a:r>
+              <a:rPr lang="en-US" dirty="0"/>
+              <a:t> </a:t>
+            </a:r>
+            <a:r>
+              <a:rPr lang="en-US" dirty="0" err="1"/>
+              <a:t>muito</a:t>
+            </a:r>
+            <a:r>
+              <a:rPr lang="en-US" dirty="0"/>
+              <a:t> </a:t>
+            </a:r>
+            <a:r>
+              <a:rPr lang="en-US" dirty="0" err="1"/>
+              <a:t>importante</a:t>
+            </a:r>
+            <a:r>
+              <a:rPr lang="en-US" dirty="0"/>
+              <a:t> para a </a:t>
+            </a:r>
+            <a:r>
+              <a:rPr lang="en-US" dirty="0" err="1"/>
+              <a:t>classificação</a:t>
+            </a:r>
+            <a:r>
+              <a:rPr lang="en-US" dirty="0"/>
+              <a:t>.</a:t>
+            </a:r>
+            <a:endParaRPr lang="pt-BR" dirty="0"/>
+          </a:p>
+        </p:txBody>
+      </p:sp>
+      <p:sp>
+        <p:nvSpPr>
+          <p:cNvPr id="4" name="Slide Number Placeholder 3"/>
+          <p:cNvSpPr>
+            <a:spLocks noGrp="1"/>
+          </p:cNvSpPr>
+          <p:nvPr>
+            <p:ph type="sldNum" sz="quarter" idx="5"/>
+          </p:nvPr>
+        </p:nvSpPr>
+        <p:spPr/>
+        <p:txBody>
+          <a:bodyPr/>
+          <a:lstStyle/>
+          <a:p>
+            <a:fld id="{1115A337-D327-4878-82F7-89D283F5F6B1}" type="slidenum">
+              <a:rPr lang="en-US" smtClean="0"/>
+              <a:t>8</a:t>
+            </a:fld>
+            <a:endParaRPr lang="en-US"/>
+          </a:p>
+        </p:txBody>
+      </p:sp>
+    </p:spTree>
+    <p:extLst>
+      <p:ext uri="{BB962C8B-B14F-4D97-AF65-F5344CB8AC3E}">
+        <p14:creationId xmlns:p14="http://schemas.microsoft.com/office/powerpoint/2010/main" val="3163195723"/>
+      </p:ext>
+    </p:extLst>
+  </p:cSld>
+  <p:clrMapOvr>
+    <a:masterClrMapping/>
+  </p:clrMapOvr>
+</p:notes>
+</file>
+
+<file path=ppt/notesSlides/notesSlide8.xml><?xml version="1.0" encoding="utf-8"?>
+<p:notes xmlns:a="http://schemas.openxmlformats.org/drawingml/2006/main" xmlns:r="http://schemas.openxmlformats.org/officeDocument/2006/relationships" xmlns:p="http://schemas.openxmlformats.org/presentationml/2006/main">
+  <p:cSld>
+    <p:spTree>
+      <p:nvGrpSpPr>
+        <p:cNvPr id="1" name=""/>
+        <p:cNvGrpSpPr/>
+        <p:nvPr/>
+      </p:nvGrpSpPr>
+      <p:grpSpPr>
+        <a:xfrm>
+          <a:off x="0" y="0"/>
+          <a:ext cx="0" cy="0"/>
+          <a:chOff x="0" y="0"/>
+          <a:chExt cx="0" cy="0"/>
+        </a:xfrm>
+      </p:grpSpPr>
+      <p:sp>
+        <p:nvSpPr>
+          <p:cNvPr id="2" name="Slide Image Placeholder 1"/>
+          <p:cNvSpPr>
+            <a:spLocks noGrp="1" noRot="1" noChangeAspect="1"/>
+          </p:cNvSpPr>
+          <p:nvPr>
+            <p:ph type="sldImg"/>
+          </p:nvPr>
+        </p:nvSpPr>
+        <p:spPr/>
+      </p:sp>
+      <p:sp>
+        <p:nvSpPr>
+          <p:cNvPr id="3" name="Notes Placeholder 2"/>
+          <p:cNvSpPr>
+            <a:spLocks noGrp="1"/>
+          </p:cNvSpPr>
+          <p:nvPr>
+            <p:ph type="body" idx="1"/>
+          </p:nvPr>
+        </p:nvSpPr>
+        <p:spPr/>
+        <p:txBody>
+          <a:bodyPr/>
+          <a:lstStyle/>
+          <a:p>
+            <a:r>
+              <a:rPr lang="pt-BR" dirty="0"/>
+              <a:t>Esses espectrogramas resultantes são então divididos em dez grupos distintos, de maneira que possamos realizar rodadas de treino-teste, no que é popularmente conhecido com </a:t>
+            </a:r>
+            <a:r>
+              <a:rPr lang="pt-BR" b="1" dirty="0"/>
+              <a:t>K-</a:t>
+            </a:r>
+            <a:r>
+              <a:rPr lang="pt-BR" b="1" dirty="0" err="1"/>
+              <a:t>Fold</a:t>
+            </a:r>
+            <a:r>
+              <a:rPr lang="pt-BR" b="1" dirty="0"/>
+              <a:t> Cross </a:t>
+            </a:r>
+            <a:r>
+              <a:rPr lang="pt-BR" b="1" dirty="0" err="1"/>
+              <a:t>validation</a:t>
+            </a:r>
+            <a:r>
+              <a:rPr lang="pt-BR" b="1" dirty="0"/>
+              <a:t>.</a:t>
+            </a:r>
+          </a:p>
+          <a:p>
+            <a:endParaRPr lang="pt-BR" b="1" dirty="0"/>
+          </a:p>
+          <a:p>
+            <a:r>
+              <a:rPr lang="pt-BR" b="0" dirty="0"/>
+              <a:t>Alguns cuidados foram tomados durante esse processo de divisão das amostras, evitando o vazamento da segmentos provenientes de uma mesma amostras em diferentes categorias, o que potencializaria de maneira artificial os nossos resultados devido à um erro de metodologia, o que não é o intuito deste trabalho.</a:t>
+            </a:r>
+            <a:endParaRPr lang="en-US" b="0" dirty="0"/>
+          </a:p>
+        </p:txBody>
+      </p:sp>
+      <p:sp>
+        <p:nvSpPr>
+          <p:cNvPr id="4" name="Slide Number Placeholder 3"/>
+          <p:cNvSpPr>
+            <a:spLocks noGrp="1"/>
+          </p:cNvSpPr>
+          <p:nvPr>
+            <p:ph type="sldNum" sz="quarter" idx="5"/>
+          </p:nvPr>
+        </p:nvSpPr>
+        <p:spPr/>
+        <p:txBody>
+          <a:bodyPr/>
+          <a:lstStyle/>
+          <a:p>
+            <a:fld id="{1115A337-D327-4878-82F7-89D283F5F6B1}" type="slidenum">
+              <a:rPr lang="en-US" smtClean="0"/>
+              <a:t>9</a:t>
+            </a:fld>
+            <a:endParaRPr lang="en-US"/>
+          </a:p>
+        </p:txBody>
+      </p:sp>
+    </p:spTree>
+    <p:extLst>
+      <p:ext uri="{BB962C8B-B14F-4D97-AF65-F5344CB8AC3E}">
+        <p14:creationId xmlns:p14="http://schemas.microsoft.com/office/powerpoint/2010/main" val="1294680657"/>
+      </p:ext>
+    </p:extLst>
+  </p:cSld>
+  <p:clrMapOvr>
+    <a:masterClrMapping/>
+  </p:clrMapOvr>
+</p:notes>
+</file>
+
+<file path=ppt/notesSlides/notesSlide9.xml><?xml version="1.0" encoding="utf-8"?>
+<p:notes xmlns:a="http://schemas.openxmlformats.org/drawingml/2006/main" xmlns:r="http://schemas.openxmlformats.org/officeDocument/2006/relationships" xmlns:p="http://schemas.openxmlformats.org/presentationml/2006/main">
+  <p:cSld>
+    <p:spTree>
+      <p:nvGrpSpPr>
+        <p:cNvPr id="1" name=""/>
+        <p:cNvGrpSpPr/>
+        <p:nvPr/>
+      </p:nvGrpSpPr>
+      <p:grpSpPr>
+        <a:xfrm>
+          <a:off x="0" y="0"/>
+          <a:ext cx="0" cy="0"/>
+          <a:chOff x="0" y="0"/>
+          <a:chExt cx="0" cy="0"/>
+        </a:xfrm>
+      </p:grpSpPr>
+      <p:sp>
+        <p:nvSpPr>
+          <p:cNvPr id="2" name="Slide Image Placeholder 1"/>
+          <p:cNvSpPr>
+            <a:spLocks noGrp="1" noRot="1" noChangeAspect="1"/>
+          </p:cNvSpPr>
+          <p:nvPr>
+            <p:ph type="sldImg"/>
+          </p:nvPr>
+        </p:nvSpPr>
+        <p:spPr/>
+      </p:sp>
+      <p:sp>
+        <p:nvSpPr>
+          <p:cNvPr id="3" name="Notes Placeholder 2"/>
+          <p:cNvSpPr>
+            <a:spLocks noGrp="1"/>
+          </p:cNvSpPr>
+          <p:nvPr>
+            <p:ph type="body" idx="1"/>
+          </p:nvPr>
+        </p:nvSpPr>
+        <p:spPr/>
+        <p:txBody>
+          <a:bodyPr/>
+          <a:lstStyle/>
+          <a:p>
+            <a:r>
+              <a:rPr lang="pt-BR" dirty="0"/>
+              <a:t>A topologia da rede neural </a:t>
+            </a:r>
+            <a:r>
+              <a:rPr lang="pt-BR" dirty="0" err="1"/>
+              <a:t>convolucional</a:t>
+            </a:r>
+            <a:r>
+              <a:rPr lang="pt-BR" dirty="0"/>
+              <a:t> adotada é resumida na figura abaixo:</a:t>
+            </a:r>
+          </a:p>
+          <a:p>
+            <a:endParaRPr lang="pt-BR" dirty="0"/>
+          </a:p>
+          <a:p>
+            <a:r>
+              <a:rPr lang="pt-BR" dirty="0"/>
+              <a:t>	- Primeiramente o espectrograma é processado por duas camadas </a:t>
+            </a:r>
+            <a:r>
+              <a:rPr lang="pt-BR" dirty="0" err="1"/>
+              <a:t>convolucionais</a:t>
+            </a:r>
+            <a:r>
+              <a:rPr lang="pt-BR" dirty="0"/>
+              <a:t>, com consequente redução de sua dimensionalidade (Convolução e </a:t>
+            </a:r>
+            <a:r>
+              <a:rPr lang="pt-BR" dirty="0" err="1"/>
+              <a:t>Pooling</a:t>
+            </a:r>
+            <a:r>
+              <a:rPr lang="pt-BR" dirty="0"/>
+              <a:t>).</a:t>
+            </a:r>
+          </a:p>
+          <a:p>
+            <a:r>
+              <a:rPr lang="pt-BR" dirty="0"/>
+              <a:t>	- Na sequência, os dados matriciais são planificados, transformando-se em um vetor unidimensional.</a:t>
+            </a:r>
+          </a:p>
+          <a:p>
+            <a:r>
+              <a:rPr lang="pt-BR" dirty="0"/>
+              <a:t>	- Esse vetor unidimensional é fornecido como entrada à uma rede neural de camadas densas, com apenas 2 níveis. Ao final desses dois níveis, dois neurônios são estimulados, gerando a nossa desejada classificação binária.</a:t>
+            </a:r>
+          </a:p>
+          <a:p>
+            <a:endParaRPr lang="pt-BR" dirty="0"/>
+          </a:p>
+          <a:p>
+            <a:r>
+              <a:rPr lang="pt-BR" dirty="0"/>
+              <a:t>O intuito aqui é apenas ilustrar de maneira macro a topologia adotada, maiores detalhes sobre a construção da rede neural </a:t>
+            </a:r>
+            <a:r>
+              <a:rPr lang="pt-BR" dirty="0" err="1"/>
+              <a:t>convolucional</a:t>
+            </a:r>
+            <a:r>
+              <a:rPr lang="pt-BR" dirty="0"/>
+              <a:t> estão presentes no texto original do trabalho.</a:t>
+            </a:r>
+            <a:endParaRPr lang="en-US" dirty="0"/>
+          </a:p>
+        </p:txBody>
+      </p:sp>
+      <p:sp>
+        <p:nvSpPr>
+          <p:cNvPr id="4" name="Slide Number Placeholder 3"/>
+          <p:cNvSpPr>
+            <a:spLocks noGrp="1"/>
+          </p:cNvSpPr>
+          <p:nvPr>
+            <p:ph type="sldNum" sz="quarter" idx="5"/>
+          </p:nvPr>
+        </p:nvSpPr>
+        <p:spPr/>
+        <p:txBody>
+          <a:bodyPr/>
+          <a:lstStyle/>
+          <a:p>
+            <a:fld id="{1115A337-D327-4878-82F7-89D283F5F6B1}" type="slidenum">
+              <a:rPr lang="en-US" smtClean="0"/>
+              <a:t>10</a:t>
+            </a:fld>
+            <a:endParaRPr lang="en-US"/>
+          </a:p>
+        </p:txBody>
+      </p:sp>
+    </p:spTree>
+    <p:extLst>
+      <p:ext uri="{BB962C8B-B14F-4D97-AF65-F5344CB8AC3E}">
+        <p14:creationId xmlns:p14="http://schemas.microsoft.com/office/powerpoint/2010/main" val="665339718"/>
       </p:ext>
     </p:extLst>
   </p:cSld>
@@ -1016,7 +3808,7 @@
           <a:p>
             <a:fld id="{588D7303-1349-4B3B-906B-0AD17F7A84D3}" type="datetimeFigureOut">
               <a:rPr lang="pt-BR" smtClean="0"/>
-              <a:t>23/05/2023</a:t>
+              <a:t>22/07/2023</a:t>
             </a:fld>
             <a:endParaRPr lang="pt-BR"/>
           </a:p>
@@ -1224,7 +4016,7 @@
           <a:p>
             <a:fld id="{588D7303-1349-4B3B-906B-0AD17F7A84D3}" type="datetimeFigureOut">
               <a:rPr lang="pt-BR" smtClean="0"/>
-              <a:t>23/05/2023</a:t>
+              <a:t>22/07/2023</a:t>
             </a:fld>
             <a:endParaRPr lang="pt-BR"/>
           </a:p>
@@ -1422,7 +4214,7 @@
           <a:p>
             <a:fld id="{588D7303-1349-4B3B-906B-0AD17F7A84D3}" type="datetimeFigureOut">
               <a:rPr lang="pt-BR" smtClean="0"/>
-              <a:t>23/05/2023</a:t>
+              <a:t>22/07/2023</a:t>
             </a:fld>
             <a:endParaRPr lang="pt-BR"/>
           </a:p>
@@ -1697,7 +4489,7 @@
           <a:p>
             <a:fld id="{588D7303-1349-4B3B-906B-0AD17F7A84D3}" type="datetimeFigureOut">
               <a:rPr lang="pt-BR" smtClean="0"/>
-              <a:t>23/05/2023</a:t>
+              <a:t>22/07/2023</a:t>
             </a:fld>
             <a:endParaRPr lang="pt-BR"/>
           </a:p>
@@ -1962,7 +4754,7 @@
           <a:p>
             <a:fld id="{588D7303-1349-4B3B-906B-0AD17F7A84D3}" type="datetimeFigureOut">
               <a:rPr lang="pt-BR" smtClean="0"/>
-              <a:t>23/05/2023</a:t>
+              <a:t>22/07/2023</a:t>
             </a:fld>
             <a:endParaRPr lang="pt-BR"/>
           </a:p>
@@ -2374,7 +5166,7 @@
           <a:p>
             <a:fld id="{588D7303-1349-4B3B-906B-0AD17F7A84D3}" type="datetimeFigureOut">
               <a:rPr lang="pt-BR" smtClean="0"/>
-              <a:t>23/05/2023</a:t>
+              <a:t>22/07/2023</a:t>
             </a:fld>
             <a:endParaRPr lang="pt-BR"/>
           </a:p>
@@ -2515,7 +5307,7 @@
           <a:p>
             <a:fld id="{588D7303-1349-4B3B-906B-0AD17F7A84D3}" type="datetimeFigureOut">
               <a:rPr lang="pt-BR" smtClean="0"/>
-              <a:t>23/05/2023</a:t>
+              <a:t>22/07/2023</a:t>
             </a:fld>
             <a:endParaRPr lang="pt-BR"/>
           </a:p>
@@ -2628,7 +5420,7 @@
           <a:p>
             <a:fld id="{588D7303-1349-4B3B-906B-0AD17F7A84D3}" type="datetimeFigureOut">
               <a:rPr lang="pt-BR" smtClean="0"/>
-              <a:t>23/05/2023</a:t>
+              <a:t>22/07/2023</a:t>
             </a:fld>
             <a:endParaRPr lang="pt-BR"/>
           </a:p>
@@ -2939,7 +5731,7 @@
           <a:p>
             <a:fld id="{588D7303-1349-4B3B-906B-0AD17F7A84D3}" type="datetimeFigureOut">
               <a:rPr lang="pt-BR" smtClean="0"/>
-              <a:t>23/05/2023</a:t>
+              <a:t>22/07/2023</a:t>
             </a:fld>
             <a:endParaRPr lang="pt-BR"/>
           </a:p>
@@ -3227,7 +6019,7 @@
           <a:p>
             <a:fld id="{588D7303-1349-4B3B-906B-0AD17F7A84D3}" type="datetimeFigureOut">
               <a:rPr lang="pt-BR" smtClean="0"/>
-              <a:t>23/05/2023</a:t>
+              <a:t>22/07/2023</a:t>
             </a:fld>
             <a:endParaRPr lang="pt-BR"/>
           </a:p>
@@ -3477,7 +6269,7 @@
           <a:p>
             <a:fld id="{588D7303-1349-4B3B-906B-0AD17F7A84D3}" type="datetimeFigureOut">
               <a:rPr lang="pt-BR" smtClean="0"/>
-              <a:t>23/05/2023</a:t>
+              <a:t>22/07/2023</a:t>
             </a:fld>
             <a:endParaRPr lang="pt-BR"/>
           </a:p>
@@ -4341,7 +7133,7 @@
           <p:nvPr/>
         </p:nvPicPr>
         <p:blipFill rotWithShape="1">
-          <a:blip r:embed="rId2"/>
+          <a:blip r:embed="rId3"/>
           <a:srcRect b="18516"/>
           <a:stretch/>
         </p:blipFill>
@@ -4876,7 +7668,7 @@
           <p:nvPr/>
         </p:nvPicPr>
         <p:blipFill>
-          <a:blip r:embed="rId2"/>
+          <a:blip r:embed="rId3"/>
           <a:srcRect/>
           <a:stretch>
             <a:fillRect/>
@@ -5443,7 +8235,7 @@
           <p:nvPr/>
         </p:nvPicPr>
         <p:blipFill>
-          <a:blip r:embed="rId2"/>
+          <a:blip r:embed="rId3"/>
           <a:srcRect/>
           <a:stretch>
             <a:fillRect/>
@@ -6039,7 +8831,7 @@
           <p:nvPr/>
         </p:nvPicPr>
         <p:blipFill>
-          <a:blip r:embed="rId2"/>
+          <a:blip r:embed="rId3"/>
           <a:srcRect l="2899" t="7751" b="6993"/>
           <a:stretch>
             <a:fillRect/>
@@ -6702,7 +9494,7 @@
           <p:nvPr/>
         </p:nvPicPr>
         <p:blipFill>
-          <a:blip r:embed="rId2"/>
+          <a:blip r:embed="rId3"/>
           <a:srcRect l="1850" t="10232" r="3424" b="5493"/>
           <a:stretch>
             <a:fillRect/>
@@ -7331,7 +10123,7 @@
           <p:nvPr/>
         </p:nvPicPr>
         <p:blipFill rotWithShape="1">
-          <a:blip r:embed="rId2"/>
+          <a:blip r:embed="rId3"/>
           <a:srcRect l="2133" t="10382"/>
           <a:stretch/>
         </p:blipFill>
@@ -8009,7 +10801,7 @@
           <p:nvPr/>
         </p:nvPicPr>
         <p:blipFill rotWithShape="1">
-          <a:blip r:embed="rId2"/>
+          <a:blip r:embed="rId3"/>
           <a:srcRect l="2133" t="10382"/>
           <a:stretch/>
         </p:blipFill>
@@ -9922,7 +12714,7 @@
           <p:nvPr/>
         </p:nvPicPr>
         <p:blipFill>
-          <a:blip r:embed="rId2"/>
+          <a:blip r:embed="rId3"/>
           <a:stretch>
             <a:fillRect/>
           </a:stretch>
@@ -10510,11 +13302,11 @@
           <p:nvPr/>
         </p:nvPicPr>
         <p:blipFill rotWithShape="1">
-          <a:blip r:embed="rId2">
+          <a:blip r:embed="rId3">
             <a:extLst>
               <a:ext uri="{BEBA8EAE-BF5A-486C-A8C5-ECC9F3942E4B}">
                 <a14:imgProps xmlns:a14="http://schemas.microsoft.com/office/drawing/2010/main">
-                  <a14:imgLayer r:embed="rId3">
+                  <a14:imgLayer r:embed="rId4">
                     <a14:imgEffect>
                       <a14:saturation sat="0"/>
                     </a14:imgEffect>
@@ -14856,7 +17648,7 @@
           <p:nvPr/>
         </p:nvPicPr>
         <p:blipFill>
-          <a:blip r:embed="rId2"/>
+          <a:blip r:embed="rId3"/>
           <a:stretch>
             <a:fillRect/>
           </a:stretch>
@@ -23609,7 +26401,7 @@
           <p:nvPr/>
         </p:nvPicPr>
         <p:blipFill>
-          <a:blip r:embed="rId2"/>
+          <a:blip r:embed="rId3"/>
           <a:stretch>
             <a:fillRect/>
           </a:stretch>
